--- a/2022/pictures/roboter-funktionsweise.pptx
+++ b/2022/pictures/roboter-funktionsweise.pptx
@@ -1,20 +1,20 @@
 
 <file path=ppt/presentation.xml><?xml version="1.0" encoding="utf-8"?>
-<p:presentation xmlns:a="http://schemas.openxmlformats.org/drawingml/2006/main" xmlns:r="http://schemas.openxmlformats.org/officeDocument/2006/relationships" xmlns:p="http://schemas.openxmlformats.org/presentationml/2006/main" saveSubsetFonts="1">
+<p:presentation xmlns:a="http://schemas.openxmlformats.org/drawingml/2006/main" xmlns:r="http://schemas.openxmlformats.org/officeDocument/2006/relationships" xmlns:p="http://schemas.openxmlformats.org/presentationml/2006/main" xmlns:m="http://schemas.openxmlformats.org/officeDocument/2006/math" xmlns:w="http://schemas.openxmlformats.org/wordprocessingml/2006/main" saveSubsetFonts="1">
   <p:sldMasterIdLst>
     <p:sldMasterId id="2147483648" r:id="rId1"/>
   </p:sldMasterIdLst>
   <p:sldIdLst>
-    <p:sldId id="256" r:id="rId2"/>
+    <p:sldId id="256" r:id="rId3"/>
   </p:sldIdLst>
   <p:sldSz cx="12192000" cy="6858000"/>
-  <p:notesSz cx="6858000" cy="9144000"/>
+  <p:notesSz cx="12192000" cy="6858000"/>
   <p:defaultTextStyle>
     <a:defPPr>
-      <a:defRPr lang="en-DE"/>
+      <a:defRPr/>
     </a:defPPr>
-    <a:lvl1pPr marL="0" algn="l" defTabSz="914400" rtl="0" eaLnBrk="1" latinLnBrk="0" hangingPunct="1">
-      <a:defRPr sz="1800" kern="1200">
+    <a:lvl1pPr marL="0" algn="l" defTabSz="914400">
+      <a:defRPr sz="1800">
         <a:solidFill>
           <a:schemeClr val="tx1"/>
         </a:solidFill>
@@ -23,8 +23,8 @@
         <a:cs typeface="+mn-cs"/>
       </a:defRPr>
     </a:lvl1pPr>
-    <a:lvl2pPr marL="457200" algn="l" defTabSz="914400" rtl="0" eaLnBrk="1" latinLnBrk="0" hangingPunct="1">
-      <a:defRPr sz="1800" kern="1200">
+    <a:lvl2pPr marL="457200" algn="l" defTabSz="914400">
+      <a:defRPr sz="1800">
         <a:solidFill>
           <a:schemeClr val="tx1"/>
         </a:solidFill>
@@ -33,8 +33,8 @@
         <a:cs typeface="+mn-cs"/>
       </a:defRPr>
     </a:lvl2pPr>
-    <a:lvl3pPr marL="914400" algn="l" defTabSz="914400" rtl="0" eaLnBrk="1" latinLnBrk="0" hangingPunct="1">
-      <a:defRPr sz="1800" kern="1200">
+    <a:lvl3pPr marL="914400" algn="l" defTabSz="914400">
+      <a:defRPr sz="1800">
         <a:solidFill>
           <a:schemeClr val="tx1"/>
         </a:solidFill>
@@ -43,8 +43,8 @@
         <a:cs typeface="+mn-cs"/>
       </a:defRPr>
     </a:lvl3pPr>
-    <a:lvl4pPr marL="1371600" algn="l" defTabSz="914400" rtl="0" eaLnBrk="1" latinLnBrk="0" hangingPunct="1">
-      <a:defRPr sz="1800" kern="1200">
+    <a:lvl4pPr marL="1371600" algn="l" defTabSz="914400">
+      <a:defRPr sz="1800">
         <a:solidFill>
           <a:schemeClr val="tx1"/>
         </a:solidFill>
@@ -53,8 +53,8 @@
         <a:cs typeface="+mn-cs"/>
       </a:defRPr>
     </a:lvl4pPr>
-    <a:lvl5pPr marL="1828800" algn="l" defTabSz="914400" rtl="0" eaLnBrk="1" latinLnBrk="0" hangingPunct="1">
-      <a:defRPr sz="1800" kern="1200">
+    <a:lvl5pPr marL="1828800" algn="l" defTabSz="914400">
+      <a:defRPr sz="1800">
         <a:solidFill>
           <a:schemeClr val="tx1"/>
         </a:solidFill>
@@ -63,8 +63,8 @@
         <a:cs typeface="+mn-cs"/>
       </a:defRPr>
     </a:lvl5pPr>
-    <a:lvl6pPr marL="2286000" algn="l" defTabSz="914400" rtl="0" eaLnBrk="1" latinLnBrk="0" hangingPunct="1">
-      <a:defRPr sz="1800" kern="1200">
+    <a:lvl6pPr marL="2286000" algn="l" defTabSz="914400">
+      <a:defRPr sz="1800">
         <a:solidFill>
           <a:schemeClr val="tx1"/>
         </a:solidFill>
@@ -73,8 +73,8 @@
         <a:cs typeface="+mn-cs"/>
       </a:defRPr>
     </a:lvl6pPr>
-    <a:lvl7pPr marL="2743200" algn="l" defTabSz="914400" rtl="0" eaLnBrk="1" latinLnBrk="0" hangingPunct="1">
-      <a:defRPr sz="1800" kern="1200">
+    <a:lvl7pPr marL="2743200" algn="l" defTabSz="914400">
+      <a:defRPr sz="1800">
         <a:solidFill>
           <a:schemeClr val="tx1"/>
         </a:solidFill>
@@ -83,8 +83,8 @@
         <a:cs typeface="+mn-cs"/>
       </a:defRPr>
     </a:lvl7pPr>
-    <a:lvl8pPr marL="3200400" algn="l" defTabSz="914400" rtl="0" eaLnBrk="1" latinLnBrk="0" hangingPunct="1">
-      <a:defRPr sz="1800" kern="1200">
+    <a:lvl8pPr marL="3200400" algn="l" defTabSz="914400">
+      <a:defRPr sz="1800">
         <a:solidFill>
           <a:schemeClr val="tx1"/>
         </a:solidFill>
@@ -93,8 +93,8 @@
         <a:cs typeface="+mn-cs"/>
       </a:defRPr>
     </a:lvl8pPr>
-    <a:lvl9pPr marL="3657600" algn="l" defTabSz="914400" rtl="0" eaLnBrk="1" latinLnBrk="0" hangingPunct="1">
-      <a:defRPr sz="1800" kern="1200">
+    <a:lvl9pPr marL="3657600" algn="l" defTabSz="914400">
+      <a:defRPr sz="1800">
         <a:solidFill>
           <a:schemeClr val="tx1"/>
         </a:solidFill>
@@ -107,77 +107,8 @@
 </p:presentation>
 </file>
 
-<file path=ppt/changesInfos/changesInfo1.xml><?xml version="1.0" encoding="utf-8"?>
-<pc:chgInfo xmlns:a="http://schemas.openxmlformats.org/drawingml/2006/main" xmlns:r="http://schemas.openxmlformats.org/officeDocument/2006/relationships" xmlns:ac="http://schemas.microsoft.com/office/drawing/2013/main/command" xmlns:pc="http://schemas.microsoft.com/office/powerpoint/2013/main/command">
-  <pc:docChgLst>
-    <pc:chgData name="alex sohn" userId="cd49b15341d07f6d" providerId="LiveId" clId="{3D94588E-6AC5-4D6F-831C-F51D33F47BAC}"/>
-    <pc:docChg chg="undo custSel modSld">
-      <pc:chgData name="alex sohn" userId="cd49b15341d07f6d" providerId="LiveId" clId="{3D94588E-6AC5-4D6F-831C-F51D33F47BAC}" dt="2021-12-12T16:12:22.102" v="1" actId="1582"/>
-      <pc:docMkLst>
-        <pc:docMk/>
-      </pc:docMkLst>
-      <pc:sldChg chg="modSp mod">
-        <pc:chgData name="alex sohn" userId="cd49b15341d07f6d" providerId="LiveId" clId="{3D94588E-6AC5-4D6F-831C-F51D33F47BAC}" dt="2021-12-12T16:12:22.102" v="1" actId="1582"/>
-        <pc:sldMkLst>
-          <pc:docMk/>
-          <pc:sldMk cId="1605841627" sldId="256"/>
-        </pc:sldMkLst>
-        <pc:cxnChg chg="mod">
-          <ac:chgData name="alex sohn" userId="cd49b15341d07f6d" providerId="LiveId" clId="{3D94588E-6AC5-4D6F-831C-F51D33F47BAC}" dt="2021-12-12T16:12:22.102" v="1" actId="1582"/>
-          <ac:cxnSpMkLst>
-            <pc:docMk/>
-            <pc:sldMk cId="1605841627" sldId="256"/>
-            <ac:cxnSpMk id="9" creationId="{982CB936-15FF-4F3B-8F61-A7E3857F12BA}"/>
-          </ac:cxnSpMkLst>
-        </pc:cxnChg>
-        <pc:cxnChg chg="mod">
-          <ac:chgData name="alex sohn" userId="cd49b15341d07f6d" providerId="LiveId" clId="{3D94588E-6AC5-4D6F-831C-F51D33F47BAC}" dt="2021-12-12T16:12:22.102" v="1" actId="1582"/>
-          <ac:cxnSpMkLst>
-            <pc:docMk/>
-            <pc:sldMk cId="1605841627" sldId="256"/>
-            <ac:cxnSpMk id="11" creationId="{A42D25D3-D726-4F5E-B087-329797A46BA3}"/>
-          </ac:cxnSpMkLst>
-        </pc:cxnChg>
-        <pc:cxnChg chg="mod">
-          <ac:chgData name="alex sohn" userId="cd49b15341d07f6d" providerId="LiveId" clId="{3D94588E-6AC5-4D6F-831C-F51D33F47BAC}" dt="2021-12-12T16:12:22.102" v="1" actId="1582"/>
-          <ac:cxnSpMkLst>
-            <pc:docMk/>
-            <pc:sldMk cId="1605841627" sldId="256"/>
-            <ac:cxnSpMk id="46" creationId="{43315EA5-7E36-4B41-B7CD-06135EB5492C}"/>
-          </ac:cxnSpMkLst>
-        </pc:cxnChg>
-        <pc:cxnChg chg="mod">
-          <ac:chgData name="alex sohn" userId="cd49b15341d07f6d" providerId="LiveId" clId="{3D94588E-6AC5-4D6F-831C-F51D33F47BAC}" dt="2021-12-12T16:12:22.102" v="1" actId="1582"/>
-          <ac:cxnSpMkLst>
-            <pc:docMk/>
-            <pc:sldMk cId="1605841627" sldId="256"/>
-            <ac:cxnSpMk id="48" creationId="{0251D3D3-464C-4E27-A7EE-F5285F13858E}"/>
-          </ac:cxnSpMkLst>
-        </pc:cxnChg>
-        <pc:cxnChg chg="mod">
-          <ac:chgData name="alex sohn" userId="cd49b15341d07f6d" providerId="LiveId" clId="{3D94588E-6AC5-4D6F-831C-F51D33F47BAC}" dt="2021-12-12T16:12:22.102" v="1" actId="1582"/>
-          <ac:cxnSpMkLst>
-            <pc:docMk/>
-            <pc:sldMk cId="1605841627" sldId="256"/>
-            <ac:cxnSpMk id="62" creationId="{BAEEBB33-CD5C-4816-BD5A-9EE2BE92F812}"/>
-          </ac:cxnSpMkLst>
-        </pc:cxnChg>
-        <pc:cxnChg chg="mod">
-          <ac:chgData name="alex sohn" userId="cd49b15341d07f6d" providerId="LiveId" clId="{3D94588E-6AC5-4D6F-831C-F51D33F47BAC}" dt="2021-12-12T16:12:22.102" v="1" actId="1582"/>
-          <ac:cxnSpMkLst>
-            <pc:docMk/>
-            <pc:sldMk cId="1605841627" sldId="256"/>
-            <ac:cxnSpMk id="73" creationId="{67543AB4-F7E1-4A30-9B08-7B809BAE33C3}"/>
-          </ac:cxnSpMkLst>
-        </pc:cxnChg>
-      </pc:sldChg>
-    </pc:docChg>
-  </pc:docChgLst>
-</pc:chgInfo>
-</file>
-
 <file path=ppt/slideLayouts/slideLayout1.xml><?xml version="1.0" encoding="utf-8"?>
-<p:sldLayout xmlns:a="http://schemas.openxmlformats.org/drawingml/2006/main" xmlns:r="http://schemas.openxmlformats.org/officeDocument/2006/relationships" xmlns:p="http://schemas.openxmlformats.org/presentationml/2006/main" type="title" preserve="1">
+<p:sldLayout xmlns:a="http://schemas.openxmlformats.org/drawingml/2006/main" xmlns:r="http://schemas.openxmlformats.org/officeDocument/2006/relationships" xmlns:p="http://schemas.openxmlformats.org/presentationml/2006/main" xmlns:m="http://schemas.openxmlformats.org/officeDocument/2006/math" xmlns:w="http://schemas.openxmlformats.org/wordprocessingml/2006/main" matchingName="" preserve="1" showMasterPhAnim="0" type="title" userDrawn="1">
   <p:cSld name="Titelfolie">
     <p:spTree>
       <p:nvGrpSpPr>
@@ -185,7 +116,7 @@
         <p:cNvGrpSpPr/>
         <p:nvPr/>
       </p:nvGrpSpPr>
-      <p:grpSpPr>
+      <p:grpSpPr bwMode="auto">
         <a:xfrm>
           <a:off x="0" y="0"/>
           <a:ext cx="0" cy="0"/>
@@ -195,13 +126,7 @@
       </p:grpSpPr>
       <p:sp>
         <p:nvSpPr>
-          <p:cNvPr id="2" name="Titel 1">
-            <a:extLst>
-              <a:ext uri="{FF2B5EF4-FFF2-40B4-BE49-F238E27FC236}">
-                <a16:creationId xmlns:a16="http://schemas.microsoft.com/office/drawing/2014/main" id="{8BF9C3E9-6813-4185-9C81-3C67ED8ECE83}"/>
-              </a:ext>
-            </a:extLst>
-          </p:cNvPr>
+          <p:cNvPr id="2" name="Titel 1"/>
           <p:cNvSpPr>
             <a:spLocks noGrp="1"/>
           </p:cNvSpPr>
@@ -209,7 +134,7 @@
             <p:ph type="ctrTitle"/>
           </p:nvPr>
         </p:nvSpPr>
-        <p:spPr>
+        <p:spPr bwMode="auto">
           <a:xfrm>
             <a:off x="1524000" y="1122363"/>
             <a:ext cx="9144000" cy="2387600"/>
@@ -223,23 +148,20 @@
             </a:lvl1pPr>
           </a:lstStyle>
           <a:p>
+            <a:pPr>
+              <a:defRPr/>
+            </a:pPr>
             <a:r>
               <a:rPr lang="de-DE"/>
               <a:t>Mastertitelformat bearbeiten</a:t>
             </a:r>
-            <a:endParaRPr lang="en-DE"/>
-          </a:p>
-        </p:txBody>
-      </p:sp>
-      <p:sp>
-        <p:nvSpPr>
-          <p:cNvPr id="3" name="Untertitel 2">
-            <a:extLst>
-              <a:ext uri="{FF2B5EF4-FFF2-40B4-BE49-F238E27FC236}">
-                <a16:creationId xmlns:a16="http://schemas.microsoft.com/office/drawing/2014/main" id="{291E577F-B7D7-4A23-8AB7-AB88C54E0473}"/>
-              </a:ext>
-            </a:extLst>
-          </p:cNvPr>
+            <a:endParaRPr/>
+          </a:p>
+        </p:txBody>
+      </p:sp>
+      <p:sp>
+        <p:nvSpPr>
+          <p:cNvPr id="3" name="Untertitel 2"/>
           <p:cNvSpPr>
             <a:spLocks noGrp="1"/>
           </p:cNvSpPr>
@@ -247,7 +169,7 @@
             <p:ph type="subTitle" idx="1"/>
           </p:nvPr>
         </p:nvSpPr>
-        <p:spPr>
+        <p:spPr bwMode="auto">
           <a:xfrm>
             <a:off x="1524000" y="3602038"/>
             <a:ext cx="9144000" cy="1655762"/>
@@ -294,23 +216,20 @@
             </a:lvl9pPr>
           </a:lstStyle>
           <a:p>
+            <a:pPr>
+              <a:defRPr/>
+            </a:pPr>
             <a:r>
               <a:rPr lang="de-DE"/>
               <a:t>Master-Untertitelformat bearbeiten</a:t>
             </a:r>
-            <a:endParaRPr lang="en-DE"/>
-          </a:p>
-        </p:txBody>
-      </p:sp>
-      <p:sp>
-        <p:nvSpPr>
-          <p:cNvPr id="4" name="Datumsplatzhalter 3">
-            <a:extLst>
-              <a:ext uri="{FF2B5EF4-FFF2-40B4-BE49-F238E27FC236}">
-                <a16:creationId xmlns:a16="http://schemas.microsoft.com/office/drawing/2014/main" id="{7D24E4F5-F2F4-453F-AAD5-AAA438FD9587}"/>
-              </a:ext>
-            </a:extLst>
-          </p:cNvPr>
+            <a:endParaRPr/>
+          </a:p>
+        </p:txBody>
+      </p:sp>
+      <p:sp>
+        <p:nvSpPr>
+          <p:cNvPr id="4" name="Datumsplatzhalter 3"/>
           <p:cNvSpPr>
             <a:spLocks noGrp="1"/>
           </p:cNvSpPr>
@@ -318,28 +237,25 @@
             <p:ph type="dt" sz="half" idx="10"/>
           </p:nvPr>
         </p:nvSpPr>
-        <p:spPr/>
-        <p:txBody>
-          <a:bodyPr/>
-          <a:lstStyle/>
-          <a:p>
+        <p:spPr bwMode="auto"/>
+        <p:txBody>
+          <a:bodyPr/>
+          <a:lstStyle/>
+          <a:p>
+            <a:pPr>
+              <a:defRPr/>
+            </a:pPr>
             <a:fld id="{8A6B4FB4-8FAD-4B59-AFF5-991D386B206E}" type="datetimeFigureOut">
-              <a:rPr lang="en-DE" smtClean="0"/>
-              <a:t>12/12/2021</a:t>
+              <a:rPr/>
+              <a:t/>
             </a:fld>
-            <a:endParaRPr lang="en-DE"/>
-          </a:p>
-        </p:txBody>
-      </p:sp>
-      <p:sp>
-        <p:nvSpPr>
-          <p:cNvPr id="5" name="Fußzeilenplatzhalter 4">
-            <a:extLst>
-              <a:ext uri="{FF2B5EF4-FFF2-40B4-BE49-F238E27FC236}">
-                <a16:creationId xmlns:a16="http://schemas.microsoft.com/office/drawing/2014/main" id="{85E23C95-A769-469F-BCE5-B718EA3BBD21}"/>
-              </a:ext>
-            </a:extLst>
-          </p:cNvPr>
+            <a:endParaRPr/>
+          </a:p>
+        </p:txBody>
+      </p:sp>
+      <p:sp>
+        <p:nvSpPr>
+          <p:cNvPr id="5" name="Fußzeilenplatzhalter 4"/>
           <p:cNvSpPr>
             <a:spLocks noGrp="1"/>
           </p:cNvSpPr>
@@ -347,24 +263,21 @@
             <p:ph type="ftr" sz="quarter" idx="11"/>
           </p:nvPr>
         </p:nvSpPr>
-        <p:spPr/>
-        <p:txBody>
-          <a:bodyPr/>
-          <a:lstStyle/>
-          <a:p>
-            <a:endParaRPr lang="en-DE"/>
-          </a:p>
-        </p:txBody>
-      </p:sp>
-      <p:sp>
-        <p:nvSpPr>
-          <p:cNvPr id="6" name="Foliennummernplatzhalter 5">
-            <a:extLst>
-              <a:ext uri="{FF2B5EF4-FFF2-40B4-BE49-F238E27FC236}">
-                <a16:creationId xmlns:a16="http://schemas.microsoft.com/office/drawing/2014/main" id="{E9114DAC-8F28-40DF-8FE1-AE061C960CDD}"/>
-              </a:ext>
-            </a:extLst>
-          </p:cNvPr>
+        <p:spPr bwMode="auto"/>
+        <p:txBody>
+          <a:bodyPr/>
+          <a:lstStyle/>
+          <a:p>
+            <a:pPr>
+              <a:defRPr/>
+            </a:pPr>
+            <a:endParaRPr/>
+          </a:p>
+        </p:txBody>
+      </p:sp>
+      <p:sp>
+        <p:nvSpPr>
+          <p:cNvPr id="6" name="Foliennummernplatzhalter 5"/>
           <p:cNvSpPr>
             <a:spLocks noGrp="1"/>
           </p:cNvSpPr>
@@ -372,25 +285,23 @@
             <p:ph type="sldNum" sz="quarter" idx="12"/>
           </p:nvPr>
         </p:nvSpPr>
-        <p:spPr/>
-        <p:txBody>
-          <a:bodyPr/>
-          <a:lstStyle/>
-          <a:p>
+        <p:spPr bwMode="auto"/>
+        <p:txBody>
+          <a:bodyPr/>
+          <a:lstStyle/>
+          <a:p>
+            <a:pPr>
+              <a:defRPr/>
+            </a:pPr>
             <a:fld id="{B87CD8D1-6E26-474F-97AE-FDA0D9E18526}" type="slidenum">
-              <a:rPr lang="en-DE" smtClean="0"/>
-              <a:t>‹Nr.›</a:t>
+              <a:rPr/>
+              <a:t/>
             </a:fld>
-            <a:endParaRPr lang="en-DE"/>
+            <a:endParaRPr/>
           </a:p>
         </p:txBody>
       </p:sp>
     </p:spTree>
-    <p:extLst>
-      <p:ext uri="{BB962C8B-B14F-4D97-AF65-F5344CB8AC3E}">
-        <p14:creationId xmlns:p14="http://schemas.microsoft.com/office/powerpoint/2010/main" val="3799248125"/>
-      </p:ext>
-    </p:extLst>
   </p:cSld>
   <p:clrMapOvr>
     <a:masterClrMapping/>
@@ -399,7 +310,7 @@
 </file>
 
 <file path=ppt/slideLayouts/slideLayout10.xml><?xml version="1.0" encoding="utf-8"?>
-<p:sldLayout xmlns:a="http://schemas.openxmlformats.org/drawingml/2006/main" xmlns:r="http://schemas.openxmlformats.org/officeDocument/2006/relationships" xmlns:p="http://schemas.openxmlformats.org/presentationml/2006/main" type="vertTx" preserve="1">
+<p:sldLayout xmlns:a="http://schemas.openxmlformats.org/drawingml/2006/main" xmlns:r="http://schemas.openxmlformats.org/officeDocument/2006/relationships" xmlns:p="http://schemas.openxmlformats.org/presentationml/2006/main" xmlns:m="http://schemas.openxmlformats.org/officeDocument/2006/math" xmlns:w="http://schemas.openxmlformats.org/wordprocessingml/2006/main" matchingName="" preserve="1" showMasterPhAnim="0" type="vertTx" userDrawn="1">
   <p:cSld name="Titel und vertikaler Text">
     <p:spTree>
       <p:nvGrpSpPr>
@@ -407,7 +318,7 @@
         <p:cNvGrpSpPr/>
         <p:nvPr/>
       </p:nvGrpSpPr>
-      <p:grpSpPr>
+      <p:grpSpPr bwMode="auto">
         <a:xfrm>
           <a:off x="0" y="0"/>
           <a:ext cx="0" cy="0"/>
@@ -417,13 +328,7 @@
       </p:grpSpPr>
       <p:sp>
         <p:nvSpPr>
-          <p:cNvPr id="2" name="Titel 1">
-            <a:extLst>
-              <a:ext uri="{FF2B5EF4-FFF2-40B4-BE49-F238E27FC236}">
-                <a16:creationId xmlns:a16="http://schemas.microsoft.com/office/drawing/2014/main" id="{1BCB0AA9-4E8A-4694-B1D5-DA3A64A6C519}"/>
-              </a:ext>
-            </a:extLst>
-          </p:cNvPr>
+          <p:cNvPr id="2" name="Titel 1"/>
           <p:cNvSpPr>
             <a:spLocks noGrp="1"/>
           </p:cNvSpPr>
@@ -431,28 +336,25 @@
             <p:ph type="title"/>
           </p:nvPr>
         </p:nvSpPr>
-        <p:spPr/>
-        <p:txBody>
-          <a:bodyPr/>
-          <a:lstStyle/>
-          <a:p>
+        <p:spPr bwMode="auto"/>
+        <p:txBody>
+          <a:bodyPr/>
+          <a:lstStyle/>
+          <a:p>
+            <a:pPr>
+              <a:defRPr/>
+            </a:pPr>
             <a:r>
               <a:rPr lang="de-DE"/>
               <a:t>Mastertitelformat bearbeiten</a:t>
             </a:r>
-            <a:endParaRPr lang="en-DE"/>
-          </a:p>
-        </p:txBody>
-      </p:sp>
-      <p:sp>
-        <p:nvSpPr>
-          <p:cNvPr id="3" name="Vertikaler Textplatzhalter 2">
-            <a:extLst>
-              <a:ext uri="{FF2B5EF4-FFF2-40B4-BE49-F238E27FC236}">
-                <a16:creationId xmlns:a16="http://schemas.microsoft.com/office/drawing/2014/main" id="{94721907-576A-4745-AB16-DE5874970ED3}"/>
-              </a:ext>
-            </a:extLst>
-          </p:cNvPr>
+            <a:endParaRPr/>
+          </a:p>
+        </p:txBody>
+      </p:sp>
+      <p:sp>
+        <p:nvSpPr>
+          <p:cNvPr id="3" name="Vertikaler Textplatzhalter 2"/>
           <p:cNvSpPr>
             <a:spLocks noGrp="1"/>
           </p:cNvSpPr>
@@ -460,57 +362,65 @@
             <p:ph type="body" orient="vert" idx="1"/>
           </p:nvPr>
         </p:nvSpPr>
-        <p:spPr/>
+        <p:spPr bwMode="auto"/>
         <p:txBody>
           <a:bodyPr vert="eaVert"/>
           <a:lstStyle/>
           <a:p>
-            <a:pPr lvl="0"/>
+            <a:pPr lvl="0">
+              <a:defRPr/>
+            </a:pPr>
             <a:r>
               <a:rPr lang="de-DE"/>
               <a:t>Mastertextformat bearbeiten</a:t>
             </a:r>
-          </a:p>
-          <a:p>
-            <a:pPr lvl="1"/>
+            <a:endParaRPr/>
+          </a:p>
+          <a:p>
+            <a:pPr lvl="1">
+              <a:defRPr/>
+            </a:pPr>
             <a:r>
               <a:rPr lang="de-DE"/>
               <a:t>Zweite Ebene</a:t>
             </a:r>
-          </a:p>
-          <a:p>
-            <a:pPr lvl="2"/>
+            <a:endParaRPr/>
+          </a:p>
+          <a:p>
+            <a:pPr lvl="2">
+              <a:defRPr/>
+            </a:pPr>
             <a:r>
               <a:rPr lang="de-DE"/>
               <a:t>Dritte Ebene</a:t>
             </a:r>
-          </a:p>
-          <a:p>
-            <a:pPr lvl="3"/>
+            <a:endParaRPr/>
+          </a:p>
+          <a:p>
+            <a:pPr lvl="3">
+              <a:defRPr/>
+            </a:pPr>
             <a:r>
               <a:rPr lang="de-DE"/>
               <a:t>Vierte Ebene</a:t>
             </a:r>
-          </a:p>
-          <a:p>
-            <a:pPr lvl="4"/>
+            <a:endParaRPr/>
+          </a:p>
+          <a:p>
+            <a:pPr lvl="4">
+              <a:defRPr/>
+            </a:pPr>
             <a:r>
               <a:rPr lang="de-DE"/>
               <a:t>Fünfte Ebene</a:t>
             </a:r>
-            <a:endParaRPr lang="en-DE"/>
-          </a:p>
-        </p:txBody>
-      </p:sp>
-      <p:sp>
-        <p:nvSpPr>
-          <p:cNvPr id="4" name="Datumsplatzhalter 3">
-            <a:extLst>
-              <a:ext uri="{FF2B5EF4-FFF2-40B4-BE49-F238E27FC236}">
-                <a16:creationId xmlns:a16="http://schemas.microsoft.com/office/drawing/2014/main" id="{8468E3B4-326C-41AC-9A8E-D7BCAC982A66}"/>
-              </a:ext>
-            </a:extLst>
-          </p:cNvPr>
+            <a:endParaRPr/>
+          </a:p>
+        </p:txBody>
+      </p:sp>
+      <p:sp>
+        <p:nvSpPr>
+          <p:cNvPr id="4" name="Datumsplatzhalter 3"/>
           <p:cNvSpPr>
             <a:spLocks noGrp="1"/>
           </p:cNvSpPr>
@@ -518,28 +428,25 @@
             <p:ph type="dt" sz="half" idx="10"/>
           </p:nvPr>
         </p:nvSpPr>
-        <p:spPr/>
-        <p:txBody>
-          <a:bodyPr/>
-          <a:lstStyle/>
-          <a:p>
+        <p:spPr bwMode="auto"/>
+        <p:txBody>
+          <a:bodyPr/>
+          <a:lstStyle/>
+          <a:p>
+            <a:pPr>
+              <a:defRPr/>
+            </a:pPr>
             <a:fld id="{8A6B4FB4-8FAD-4B59-AFF5-991D386B206E}" type="datetimeFigureOut">
-              <a:rPr lang="en-DE" smtClean="0"/>
-              <a:t>12/12/2021</a:t>
+              <a:rPr/>
+              <a:t/>
             </a:fld>
-            <a:endParaRPr lang="en-DE"/>
-          </a:p>
-        </p:txBody>
-      </p:sp>
-      <p:sp>
-        <p:nvSpPr>
-          <p:cNvPr id="5" name="Fußzeilenplatzhalter 4">
-            <a:extLst>
-              <a:ext uri="{FF2B5EF4-FFF2-40B4-BE49-F238E27FC236}">
-                <a16:creationId xmlns:a16="http://schemas.microsoft.com/office/drawing/2014/main" id="{068E030C-D937-4387-8EB5-855F28289484}"/>
-              </a:ext>
-            </a:extLst>
-          </p:cNvPr>
+            <a:endParaRPr/>
+          </a:p>
+        </p:txBody>
+      </p:sp>
+      <p:sp>
+        <p:nvSpPr>
+          <p:cNvPr id="5" name="Fußzeilenplatzhalter 4"/>
           <p:cNvSpPr>
             <a:spLocks noGrp="1"/>
           </p:cNvSpPr>
@@ -547,24 +454,21 @@
             <p:ph type="ftr" sz="quarter" idx="11"/>
           </p:nvPr>
         </p:nvSpPr>
-        <p:spPr/>
-        <p:txBody>
-          <a:bodyPr/>
-          <a:lstStyle/>
-          <a:p>
-            <a:endParaRPr lang="en-DE"/>
-          </a:p>
-        </p:txBody>
-      </p:sp>
-      <p:sp>
-        <p:nvSpPr>
-          <p:cNvPr id="6" name="Foliennummernplatzhalter 5">
-            <a:extLst>
-              <a:ext uri="{FF2B5EF4-FFF2-40B4-BE49-F238E27FC236}">
-                <a16:creationId xmlns:a16="http://schemas.microsoft.com/office/drawing/2014/main" id="{FCC3474A-F8C7-4E72-99C7-297F9C2A7E99}"/>
-              </a:ext>
-            </a:extLst>
-          </p:cNvPr>
+        <p:spPr bwMode="auto"/>
+        <p:txBody>
+          <a:bodyPr/>
+          <a:lstStyle/>
+          <a:p>
+            <a:pPr>
+              <a:defRPr/>
+            </a:pPr>
+            <a:endParaRPr/>
+          </a:p>
+        </p:txBody>
+      </p:sp>
+      <p:sp>
+        <p:nvSpPr>
+          <p:cNvPr id="6" name="Foliennummernplatzhalter 5"/>
           <p:cNvSpPr>
             <a:spLocks noGrp="1"/>
           </p:cNvSpPr>
@@ -572,25 +476,23 @@
             <p:ph type="sldNum" sz="quarter" idx="12"/>
           </p:nvPr>
         </p:nvSpPr>
-        <p:spPr/>
-        <p:txBody>
-          <a:bodyPr/>
-          <a:lstStyle/>
-          <a:p>
+        <p:spPr bwMode="auto"/>
+        <p:txBody>
+          <a:bodyPr/>
+          <a:lstStyle/>
+          <a:p>
+            <a:pPr>
+              <a:defRPr/>
+            </a:pPr>
             <a:fld id="{B87CD8D1-6E26-474F-97AE-FDA0D9E18526}" type="slidenum">
-              <a:rPr lang="en-DE" smtClean="0"/>
-              <a:t>‹Nr.›</a:t>
+              <a:rPr/>
+              <a:t/>
             </a:fld>
-            <a:endParaRPr lang="en-DE"/>
+            <a:endParaRPr/>
           </a:p>
         </p:txBody>
       </p:sp>
     </p:spTree>
-    <p:extLst>
-      <p:ext uri="{BB962C8B-B14F-4D97-AF65-F5344CB8AC3E}">
-        <p14:creationId xmlns:p14="http://schemas.microsoft.com/office/powerpoint/2010/main" val="3314567699"/>
-      </p:ext>
-    </p:extLst>
   </p:cSld>
   <p:clrMapOvr>
     <a:masterClrMapping/>
@@ -599,7 +501,7 @@
 </file>
 
 <file path=ppt/slideLayouts/slideLayout11.xml><?xml version="1.0" encoding="utf-8"?>
-<p:sldLayout xmlns:a="http://schemas.openxmlformats.org/drawingml/2006/main" xmlns:r="http://schemas.openxmlformats.org/officeDocument/2006/relationships" xmlns:p="http://schemas.openxmlformats.org/presentationml/2006/main" type="vertTitleAndTx" preserve="1">
+<p:sldLayout xmlns:a="http://schemas.openxmlformats.org/drawingml/2006/main" xmlns:r="http://schemas.openxmlformats.org/officeDocument/2006/relationships" xmlns:p="http://schemas.openxmlformats.org/presentationml/2006/main" xmlns:m="http://schemas.openxmlformats.org/officeDocument/2006/math" xmlns:w="http://schemas.openxmlformats.org/wordprocessingml/2006/main" matchingName="" preserve="1" showMasterPhAnim="0" type="vertTitleAndTx" userDrawn="1">
   <p:cSld name="Vertikaler Titel und Text">
     <p:spTree>
       <p:nvGrpSpPr>
@@ -607,7 +509,7 @@
         <p:cNvGrpSpPr/>
         <p:nvPr/>
       </p:nvGrpSpPr>
-      <p:grpSpPr>
+      <p:grpSpPr bwMode="auto">
         <a:xfrm>
           <a:off x="0" y="0"/>
           <a:ext cx="0" cy="0"/>
@@ -617,13 +519,7 @@
       </p:grpSpPr>
       <p:sp>
         <p:nvSpPr>
-          <p:cNvPr id="2" name="Vertikaler Titel 1">
-            <a:extLst>
-              <a:ext uri="{FF2B5EF4-FFF2-40B4-BE49-F238E27FC236}">
-                <a16:creationId xmlns:a16="http://schemas.microsoft.com/office/drawing/2014/main" id="{6E840700-9404-48B3-9444-BEA0D533557A}"/>
-              </a:ext>
-            </a:extLst>
-          </p:cNvPr>
+          <p:cNvPr id="2" name="Vertikaler Titel 1"/>
           <p:cNvSpPr>
             <a:spLocks noGrp="1"/>
           </p:cNvSpPr>
@@ -631,7 +527,7 @@
             <p:ph type="title" orient="vert"/>
           </p:nvPr>
         </p:nvSpPr>
-        <p:spPr>
+        <p:spPr bwMode="auto">
           <a:xfrm>
             <a:off x="8724900" y="365125"/>
             <a:ext cx="2628900" cy="5811838"/>
@@ -641,23 +537,20 @@
           <a:bodyPr vert="eaVert"/>
           <a:lstStyle/>
           <a:p>
+            <a:pPr>
+              <a:defRPr/>
+            </a:pPr>
             <a:r>
               <a:rPr lang="de-DE"/>
               <a:t>Mastertitelformat bearbeiten</a:t>
             </a:r>
-            <a:endParaRPr lang="en-DE"/>
-          </a:p>
-        </p:txBody>
-      </p:sp>
-      <p:sp>
-        <p:nvSpPr>
-          <p:cNvPr id="3" name="Vertikaler Textplatzhalter 2">
-            <a:extLst>
-              <a:ext uri="{FF2B5EF4-FFF2-40B4-BE49-F238E27FC236}">
-                <a16:creationId xmlns:a16="http://schemas.microsoft.com/office/drawing/2014/main" id="{CC7B74CE-4A3E-4674-85BF-BC7A38B39116}"/>
-              </a:ext>
-            </a:extLst>
-          </p:cNvPr>
+            <a:endParaRPr/>
+          </a:p>
+        </p:txBody>
+      </p:sp>
+      <p:sp>
+        <p:nvSpPr>
+          <p:cNvPr id="3" name="Vertikaler Textplatzhalter 2"/>
           <p:cNvSpPr>
             <a:spLocks noGrp="1"/>
           </p:cNvSpPr>
@@ -665,7 +558,7 @@
             <p:ph type="body" orient="vert" idx="1"/>
           </p:nvPr>
         </p:nvSpPr>
-        <p:spPr>
+        <p:spPr bwMode="auto">
           <a:xfrm>
             <a:off x="838200" y="365125"/>
             <a:ext cx="7734300" cy="5811838"/>
@@ -675,52 +568,60 @@
           <a:bodyPr vert="eaVert"/>
           <a:lstStyle/>
           <a:p>
-            <a:pPr lvl="0"/>
+            <a:pPr lvl="0">
+              <a:defRPr/>
+            </a:pPr>
             <a:r>
               <a:rPr lang="de-DE"/>
               <a:t>Mastertextformat bearbeiten</a:t>
             </a:r>
-          </a:p>
-          <a:p>
-            <a:pPr lvl="1"/>
+            <a:endParaRPr/>
+          </a:p>
+          <a:p>
+            <a:pPr lvl="1">
+              <a:defRPr/>
+            </a:pPr>
             <a:r>
               <a:rPr lang="de-DE"/>
               <a:t>Zweite Ebene</a:t>
             </a:r>
-          </a:p>
-          <a:p>
-            <a:pPr lvl="2"/>
+            <a:endParaRPr/>
+          </a:p>
+          <a:p>
+            <a:pPr lvl="2">
+              <a:defRPr/>
+            </a:pPr>
             <a:r>
               <a:rPr lang="de-DE"/>
               <a:t>Dritte Ebene</a:t>
             </a:r>
-          </a:p>
-          <a:p>
-            <a:pPr lvl="3"/>
+            <a:endParaRPr/>
+          </a:p>
+          <a:p>
+            <a:pPr lvl="3">
+              <a:defRPr/>
+            </a:pPr>
             <a:r>
               <a:rPr lang="de-DE"/>
               <a:t>Vierte Ebene</a:t>
             </a:r>
-          </a:p>
-          <a:p>
-            <a:pPr lvl="4"/>
+            <a:endParaRPr/>
+          </a:p>
+          <a:p>
+            <a:pPr lvl="4">
+              <a:defRPr/>
+            </a:pPr>
             <a:r>
               <a:rPr lang="de-DE"/>
               <a:t>Fünfte Ebene</a:t>
             </a:r>
-            <a:endParaRPr lang="en-DE"/>
-          </a:p>
-        </p:txBody>
-      </p:sp>
-      <p:sp>
-        <p:nvSpPr>
-          <p:cNvPr id="4" name="Datumsplatzhalter 3">
-            <a:extLst>
-              <a:ext uri="{FF2B5EF4-FFF2-40B4-BE49-F238E27FC236}">
-                <a16:creationId xmlns:a16="http://schemas.microsoft.com/office/drawing/2014/main" id="{6D7F796B-BECF-4C43-988C-9F2547DCAAFF}"/>
-              </a:ext>
-            </a:extLst>
-          </p:cNvPr>
+            <a:endParaRPr/>
+          </a:p>
+        </p:txBody>
+      </p:sp>
+      <p:sp>
+        <p:nvSpPr>
+          <p:cNvPr id="4" name="Datumsplatzhalter 3"/>
           <p:cNvSpPr>
             <a:spLocks noGrp="1"/>
           </p:cNvSpPr>
@@ -728,28 +629,25 @@
             <p:ph type="dt" sz="half" idx="10"/>
           </p:nvPr>
         </p:nvSpPr>
-        <p:spPr/>
-        <p:txBody>
-          <a:bodyPr/>
-          <a:lstStyle/>
-          <a:p>
+        <p:spPr bwMode="auto"/>
+        <p:txBody>
+          <a:bodyPr/>
+          <a:lstStyle/>
+          <a:p>
+            <a:pPr>
+              <a:defRPr/>
+            </a:pPr>
             <a:fld id="{8A6B4FB4-8FAD-4B59-AFF5-991D386B206E}" type="datetimeFigureOut">
-              <a:rPr lang="en-DE" smtClean="0"/>
-              <a:t>12/12/2021</a:t>
+              <a:rPr/>
+              <a:t/>
             </a:fld>
-            <a:endParaRPr lang="en-DE"/>
-          </a:p>
-        </p:txBody>
-      </p:sp>
-      <p:sp>
-        <p:nvSpPr>
-          <p:cNvPr id="5" name="Fußzeilenplatzhalter 4">
-            <a:extLst>
-              <a:ext uri="{FF2B5EF4-FFF2-40B4-BE49-F238E27FC236}">
-                <a16:creationId xmlns:a16="http://schemas.microsoft.com/office/drawing/2014/main" id="{ECECF069-92B7-4D35-8145-8622B68D5F17}"/>
-              </a:ext>
-            </a:extLst>
-          </p:cNvPr>
+            <a:endParaRPr/>
+          </a:p>
+        </p:txBody>
+      </p:sp>
+      <p:sp>
+        <p:nvSpPr>
+          <p:cNvPr id="5" name="Fußzeilenplatzhalter 4"/>
           <p:cNvSpPr>
             <a:spLocks noGrp="1"/>
           </p:cNvSpPr>
@@ -757,24 +655,21 @@
             <p:ph type="ftr" sz="quarter" idx="11"/>
           </p:nvPr>
         </p:nvSpPr>
-        <p:spPr/>
-        <p:txBody>
-          <a:bodyPr/>
-          <a:lstStyle/>
-          <a:p>
-            <a:endParaRPr lang="en-DE"/>
-          </a:p>
-        </p:txBody>
-      </p:sp>
-      <p:sp>
-        <p:nvSpPr>
-          <p:cNvPr id="6" name="Foliennummernplatzhalter 5">
-            <a:extLst>
-              <a:ext uri="{FF2B5EF4-FFF2-40B4-BE49-F238E27FC236}">
-                <a16:creationId xmlns:a16="http://schemas.microsoft.com/office/drawing/2014/main" id="{51C995A3-85E0-40DB-BB41-D3E0B9372109}"/>
-              </a:ext>
-            </a:extLst>
-          </p:cNvPr>
+        <p:spPr bwMode="auto"/>
+        <p:txBody>
+          <a:bodyPr/>
+          <a:lstStyle/>
+          <a:p>
+            <a:pPr>
+              <a:defRPr/>
+            </a:pPr>
+            <a:endParaRPr/>
+          </a:p>
+        </p:txBody>
+      </p:sp>
+      <p:sp>
+        <p:nvSpPr>
+          <p:cNvPr id="6" name="Foliennummernplatzhalter 5"/>
           <p:cNvSpPr>
             <a:spLocks noGrp="1"/>
           </p:cNvSpPr>
@@ -782,25 +677,23 @@
             <p:ph type="sldNum" sz="quarter" idx="12"/>
           </p:nvPr>
         </p:nvSpPr>
-        <p:spPr/>
-        <p:txBody>
-          <a:bodyPr/>
-          <a:lstStyle/>
-          <a:p>
+        <p:spPr bwMode="auto"/>
+        <p:txBody>
+          <a:bodyPr/>
+          <a:lstStyle/>
+          <a:p>
+            <a:pPr>
+              <a:defRPr/>
+            </a:pPr>
             <a:fld id="{B87CD8D1-6E26-474F-97AE-FDA0D9E18526}" type="slidenum">
-              <a:rPr lang="en-DE" smtClean="0"/>
-              <a:t>‹Nr.›</a:t>
+              <a:rPr/>
+              <a:t/>
             </a:fld>
-            <a:endParaRPr lang="en-DE"/>
+            <a:endParaRPr/>
           </a:p>
         </p:txBody>
       </p:sp>
     </p:spTree>
-    <p:extLst>
-      <p:ext uri="{BB962C8B-B14F-4D97-AF65-F5344CB8AC3E}">
-        <p14:creationId xmlns:p14="http://schemas.microsoft.com/office/powerpoint/2010/main" val="1410188005"/>
-      </p:ext>
-    </p:extLst>
   </p:cSld>
   <p:clrMapOvr>
     <a:masterClrMapping/>
@@ -809,7 +702,7 @@
 </file>
 
 <file path=ppt/slideLayouts/slideLayout2.xml><?xml version="1.0" encoding="utf-8"?>
-<p:sldLayout xmlns:a="http://schemas.openxmlformats.org/drawingml/2006/main" xmlns:r="http://schemas.openxmlformats.org/officeDocument/2006/relationships" xmlns:p="http://schemas.openxmlformats.org/presentationml/2006/main" type="obj" preserve="1">
+<p:sldLayout xmlns:a="http://schemas.openxmlformats.org/drawingml/2006/main" xmlns:r="http://schemas.openxmlformats.org/officeDocument/2006/relationships" xmlns:p="http://schemas.openxmlformats.org/presentationml/2006/main" xmlns:m="http://schemas.openxmlformats.org/officeDocument/2006/math" xmlns:w="http://schemas.openxmlformats.org/wordprocessingml/2006/main" matchingName="" preserve="1" showMasterPhAnim="0" type="obj" userDrawn="1">
   <p:cSld name="Titel und Inhalt">
     <p:spTree>
       <p:nvGrpSpPr>
@@ -817,7 +710,7 @@
         <p:cNvGrpSpPr/>
         <p:nvPr/>
       </p:nvGrpSpPr>
-      <p:grpSpPr>
+      <p:grpSpPr bwMode="auto">
         <a:xfrm>
           <a:off x="0" y="0"/>
           <a:ext cx="0" cy="0"/>
@@ -827,13 +720,7 @@
       </p:grpSpPr>
       <p:sp>
         <p:nvSpPr>
-          <p:cNvPr id="2" name="Titel 1">
-            <a:extLst>
-              <a:ext uri="{FF2B5EF4-FFF2-40B4-BE49-F238E27FC236}">
-                <a16:creationId xmlns:a16="http://schemas.microsoft.com/office/drawing/2014/main" id="{84AD84E0-98E6-40BB-B3EF-B7FE205E510C}"/>
-              </a:ext>
-            </a:extLst>
-          </p:cNvPr>
+          <p:cNvPr id="2" name="Titel 1"/>
           <p:cNvSpPr>
             <a:spLocks noGrp="1"/>
           </p:cNvSpPr>
@@ -841,28 +728,25 @@
             <p:ph type="title"/>
           </p:nvPr>
         </p:nvSpPr>
-        <p:spPr/>
-        <p:txBody>
-          <a:bodyPr/>
-          <a:lstStyle/>
-          <a:p>
+        <p:spPr bwMode="auto"/>
+        <p:txBody>
+          <a:bodyPr/>
+          <a:lstStyle/>
+          <a:p>
+            <a:pPr>
+              <a:defRPr/>
+            </a:pPr>
             <a:r>
               <a:rPr lang="de-DE"/>
               <a:t>Mastertitelformat bearbeiten</a:t>
             </a:r>
-            <a:endParaRPr lang="en-DE"/>
-          </a:p>
-        </p:txBody>
-      </p:sp>
-      <p:sp>
-        <p:nvSpPr>
-          <p:cNvPr id="3" name="Inhaltsplatzhalter 2">
-            <a:extLst>
-              <a:ext uri="{FF2B5EF4-FFF2-40B4-BE49-F238E27FC236}">
-                <a16:creationId xmlns:a16="http://schemas.microsoft.com/office/drawing/2014/main" id="{BAADB753-C8B5-42E5-A8B4-4D0DF1FF5E48}"/>
-              </a:ext>
-            </a:extLst>
-          </p:cNvPr>
+            <a:endParaRPr/>
+          </a:p>
+        </p:txBody>
+      </p:sp>
+      <p:sp>
+        <p:nvSpPr>
+          <p:cNvPr id="3" name="Inhaltsplatzhalter 2"/>
           <p:cNvSpPr>
             <a:spLocks noGrp="1"/>
           </p:cNvSpPr>
@@ -870,57 +754,65 @@
             <p:ph idx="1"/>
           </p:nvPr>
         </p:nvSpPr>
-        <p:spPr/>
-        <p:txBody>
-          <a:bodyPr/>
-          <a:lstStyle/>
-          <a:p>
-            <a:pPr lvl="0"/>
+        <p:spPr bwMode="auto"/>
+        <p:txBody>
+          <a:bodyPr/>
+          <a:lstStyle/>
+          <a:p>
+            <a:pPr lvl="0">
+              <a:defRPr/>
+            </a:pPr>
             <a:r>
               <a:rPr lang="de-DE"/>
               <a:t>Mastertextformat bearbeiten</a:t>
             </a:r>
-          </a:p>
-          <a:p>
-            <a:pPr lvl="1"/>
+            <a:endParaRPr/>
+          </a:p>
+          <a:p>
+            <a:pPr lvl="1">
+              <a:defRPr/>
+            </a:pPr>
             <a:r>
               <a:rPr lang="de-DE"/>
               <a:t>Zweite Ebene</a:t>
             </a:r>
-          </a:p>
-          <a:p>
-            <a:pPr lvl="2"/>
+            <a:endParaRPr/>
+          </a:p>
+          <a:p>
+            <a:pPr lvl="2">
+              <a:defRPr/>
+            </a:pPr>
             <a:r>
               <a:rPr lang="de-DE"/>
               <a:t>Dritte Ebene</a:t>
             </a:r>
-          </a:p>
-          <a:p>
-            <a:pPr lvl="3"/>
+            <a:endParaRPr/>
+          </a:p>
+          <a:p>
+            <a:pPr lvl="3">
+              <a:defRPr/>
+            </a:pPr>
             <a:r>
               <a:rPr lang="de-DE"/>
               <a:t>Vierte Ebene</a:t>
             </a:r>
-          </a:p>
-          <a:p>
-            <a:pPr lvl="4"/>
+            <a:endParaRPr/>
+          </a:p>
+          <a:p>
+            <a:pPr lvl="4">
+              <a:defRPr/>
+            </a:pPr>
             <a:r>
               <a:rPr lang="de-DE"/>
               <a:t>Fünfte Ebene</a:t>
             </a:r>
-            <a:endParaRPr lang="en-DE"/>
-          </a:p>
-        </p:txBody>
-      </p:sp>
-      <p:sp>
-        <p:nvSpPr>
-          <p:cNvPr id="4" name="Datumsplatzhalter 3">
-            <a:extLst>
-              <a:ext uri="{FF2B5EF4-FFF2-40B4-BE49-F238E27FC236}">
-                <a16:creationId xmlns:a16="http://schemas.microsoft.com/office/drawing/2014/main" id="{4BE5C20A-B33A-44B6-A5DA-7C6CCFE11CA6}"/>
-              </a:ext>
-            </a:extLst>
-          </p:cNvPr>
+            <a:endParaRPr/>
+          </a:p>
+        </p:txBody>
+      </p:sp>
+      <p:sp>
+        <p:nvSpPr>
+          <p:cNvPr id="4" name="Datumsplatzhalter 3"/>
           <p:cNvSpPr>
             <a:spLocks noGrp="1"/>
           </p:cNvSpPr>
@@ -928,28 +820,25 @@
             <p:ph type="dt" sz="half" idx="10"/>
           </p:nvPr>
         </p:nvSpPr>
-        <p:spPr/>
-        <p:txBody>
-          <a:bodyPr/>
-          <a:lstStyle/>
-          <a:p>
+        <p:spPr bwMode="auto"/>
+        <p:txBody>
+          <a:bodyPr/>
+          <a:lstStyle/>
+          <a:p>
+            <a:pPr>
+              <a:defRPr/>
+            </a:pPr>
             <a:fld id="{8A6B4FB4-8FAD-4B59-AFF5-991D386B206E}" type="datetimeFigureOut">
-              <a:rPr lang="en-DE" smtClean="0"/>
-              <a:t>12/12/2021</a:t>
+              <a:rPr/>
+              <a:t/>
             </a:fld>
-            <a:endParaRPr lang="en-DE"/>
-          </a:p>
-        </p:txBody>
-      </p:sp>
-      <p:sp>
-        <p:nvSpPr>
-          <p:cNvPr id="5" name="Fußzeilenplatzhalter 4">
-            <a:extLst>
-              <a:ext uri="{FF2B5EF4-FFF2-40B4-BE49-F238E27FC236}">
-                <a16:creationId xmlns:a16="http://schemas.microsoft.com/office/drawing/2014/main" id="{A415A2A9-E523-44B7-9ED8-C358B9C14B37}"/>
-              </a:ext>
-            </a:extLst>
-          </p:cNvPr>
+            <a:endParaRPr/>
+          </a:p>
+        </p:txBody>
+      </p:sp>
+      <p:sp>
+        <p:nvSpPr>
+          <p:cNvPr id="5" name="Fußzeilenplatzhalter 4"/>
           <p:cNvSpPr>
             <a:spLocks noGrp="1"/>
           </p:cNvSpPr>
@@ -957,24 +846,21 @@
             <p:ph type="ftr" sz="quarter" idx="11"/>
           </p:nvPr>
         </p:nvSpPr>
-        <p:spPr/>
-        <p:txBody>
-          <a:bodyPr/>
-          <a:lstStyle/>
-          <a:p>
-            <a:endParaRPr lang="en-DE"/>
-          </a:p>
-        </p:txBody>
-      </p:sp>
-      <p:sp>
-        <p:nvSpPr>
-          <p:cNvPr id="6" name="Foliennummernplatzhalter 5">
-            <a:extLst>
-              <a:ext uri="{FF2B5EF4-FFF2-40B4-BE49-F238E27FC236}">
-                <a16:creationId xmlns:a16="http://schemas.microsoft.com/office/drawing/2014/main" id="{5B5CF446-2BA7-41B2-91B3-C01848955545}"/>
-              </a:ext>
-            </a:extLst>
-          </p:cNvPr>
+        <p:spPr bwMode="auto"/>
+        <p:txBody>
+          <a:bodyPr/>
+          <a:lstStyle/>
+          <a:p>
+            <a:pPr>
+              <a:defRPr/>
+            </a:pPr>
+            <a:endParaRPr/>
+          </a:p>
+        </p:txBody>
+      </p:sp>
+      <p:sp>
+        <p:nvSpPr>
+          <p:cNvPr id="6" name="Foliennummernplatzhalter 5"/>
           <p:cNvSpPr>
             <a:spLocks noGrp="1"/>
           </p:cNvSpPr>
@@ -982,25 +868,23 @@
             <p:ph type="sldNum" sz="quarter" idx="12"/>
           </p:nvPr>
         </p:nvSpPr>
-        <p:spPr/>
-        <p:txBody>
-          <a:bodyPr/>
-          <a:lstStyle/>
-          <a:p>
+        <p:spPr bwMode="auto"/>
+        <p:txBody>
+          <a:bodyPr/>
+          <a:lstStyle/>
+          <a:p>
+            <a:pPr>
+              <a:defRPr/>
+            </a:pPr>
             <a:fld id="{B87CD8D1-6E26-474F-97AE-FDA0D9E18526}" type="slidenum">
-              <a:rPr lang="en-DE" smtClean="0"/>
-              <a:t>‹Nr.›</a:t>
+              <a:rPr/>
+              <a:t/>
             </a:fld>
-            <a:endParaRPr lang="en-DE"/>
+            <a:endParaRPr/>
           </a:p>
         </p:txBody>
       </p:sp>
     </p:spTree>
-    <p:extLst>
-      <p:ext uri="{BB962C8B-B14F-4D97-AF65-F5344CB8AC3E}">
-        <p14:creationId xmlns:p14="http://schemas.microsoft.com/office/powerpoint/2010/main" val="1028501868"/>
-      </p:ext>
-    </p:extLst>
   </p:cSld>
   <p:clrMapOvr>
     <a:masterClrMapping/>
@@ -1009,15 +893,15 @@
 </file>
 
 <file path=ppt/slideLayouts/slideLayout3.xml><?xml version="1.0" encoding="utf-8"?>
-<p:sldLayout xmlns:a="http://schemas.openxmlformats.org/drawingml/2006/main" xmlns:r="http://schemas.openxmlformats.org/officeDocument/2006/relationships" xmlns:p="http://schemas.openxmlformats.org/presentationml/2006/main" type="secHead" preserve="1">
-  <p:cSld name="Abschnitts-&#10;überschrift">
+<p:sldLayout xmlns:a="http://schemas.openxmlformats.org/drawingml/2006/main" xmlns:r="http://schemas.openxmlformats.org/officeDocument/2006/relationships" xmlns:p="http://schemas.openxmlformats.org/presentationml/2006/main" xmlns:m="http://schemas.openxmlformats.org/officeDocument/2006/math" xmlns:w="http://schemas.openxmlformats.org/wordprocessingml/2006/main" matchingName="" preserve="1" showMasterPhAnim="0" type="secHead" userDrawn="1">
+  <p:cSld name="Abschnitts- überschrift">
     <p:spTree>
       <p:nvGrpSpPr>
         <p:cNvPr id="1" name=""/>
         <p:cNvGrpSpPr/>
         <p:nvPr/>
       </p:nvGrpSpPr>
-      <p:grpSpPr>
+      <p:grpSpPr bwMode="auto">
         <a:xfrm>
           <a:off x="0" y="0"/>
           <a:ext cx="0" cy="0"/>
@@ -1027,13 +911,7 @@
       </p:grpSpPr>
       <p:sp>
         <p:nvSpPr>
-          <p:cNvPr id="2" name="Titel 1">
-            <a:extLst>
-              <a:ext uri="{FF2B5EF4-FFF2-40B4-BE49-F238E27FC236}">
-                <a16:creationId xmlns:a16="http://schemas.microsoft.com/office/drawing/2014/main" id="{9F812C01-0A73-456E-BCD7-52D2B05E5AE8}"/>
-              </a:ext>
-            </a:extLst>
-          </p:cNvPr>
+          <p:cNvPr id="2" name="Titel 1"/>
           <p:cNvSpPr>
             <a:spLocks noGrp="1"/>
           </p:cNvSpPr>
@@ -1041,7 +919,7 @@
             <p:ph type="title"/>
           </p:nvPr>
         </p:nvSpPr>
-        <p:spPr>
+        <p:spPr bwMode="auto">
           <a:xfrm>
             <a:off x="831850" y="1709738"/>
             <a:ext cx="10515600" cy="2852737"/>
@@ -1055,23 +933,20 @@
             </a:lvl1pPr>
           </a:lstStyle>
           <a:p>
+            <a:pPr>
+              <a:defRPr/>
+            </a:pPr>
             <a:r>
               <a:rPr lang="de-DE"/>
               <a:t>Mastertitelformat bearbeiten</a:t>
             </a:r>
-            <a:endParaRPr lang="en-DE"/>
-          </a:p>
-        </p:txBody>
-      </p:sp>
-      <p:sp>
-        <p:nvSpPr>
-          <p:cNvPr id="3" name="Textplatzhalter 2">
-            <a:extLst>
-              <a:ext uri="{FF2B5EF4-FFF2-40B4-BE49-F238E27FC236}">
-                <a16:creationId xmlns:a16="http://schemas.microsoft.com/office/drawing/2014/main" id="{80C8E9C8-933D-458F-BDFC-DBAADCA0BF30}"/>
-              </a:ext>
-            </a:extLst>
-          </p:cNvPr>
+            <a:endParaRPr/>
+          </a:p>
+        </p:txBody>
+      </p:sp>
+      <p:sp>
+        <p:nvSpPr>
+          <p:cNvPr id="3" name="Textplatzhalter 2"/>
           <p:cNvSpPr>
             <a:spLocks noGrp="1"/>
           </p:cNvSpPr>
@@ -1079,7 +954,7 @@
             <p:ph type="body" idx="1"/>
           </p:nvPr>
         </p:nvSpPr>
-        <p:spPr>
+        <p:spPr bwMode="auto">
           <a:xfrm>
             <a:off x="831850" y="4589463"/>
             <a:ext cx="10515600" cy="1500187"/>
@@ -1180,23 +1055,20 @@
             </a:lvl9pPr>
           </a:lstStyle>
           <a:p>
-            <a:pPr lvl="0"/>
+            <a:pPr lvl="0">
+              <a:defRPr/>
+            </a:pPr>
             <a:r>
               <a:rPr lang="de-DE"/>
               <a:t>Mastertextformat bearbeiten</a:t>
             </a:r>
-          </a:p>
-        </p:txBody>
-      </p:sp>
-      <p:sp>
-        <p:nvSpPr>
-          <p:cNvPr id="4" name="Datumsplatzhalter 3">
-            <a:extLst>
-              <a:ext uri="{FF2B5EF4-FFF2-40B4-BE49-F238E27FC236}">
-                <a16:creationId xmlns:a16="http://schemas.microsoft.com/office/drawing/2014/main" id="{9A25D52C-7299-41FE-9351-D7136B897410}"/>
-              </a:ext>
-            </a:extLst>
-          </p:cNvPr>
+            <a:endParaRPr/>
+          </a:p>
+        </p:txBody>
+      </p:sp>
+      <p:sp>
+        <p:nvSpPr>
+          <p:cNvPr id="4" name="Datumsplatzhalter 3"/>
           <p:cNvSpPr>
             <a:spLocks noGrp="1"/>
           </p:cNvSpPr>
@@ -1204,28 +1076,25 @@
             <p:ph type="dt" sz="half" idx="10"/>
           </p:nvPr>
         </p:nvSpPr>
-        <p:spPr/>
-        <p:txBody>
-          <a:bodyPr/>
-          <a:lstStyle/>
-          <a:p>
+        <p:spPr bwMode="auto"/>
+        <p:txBody>
+          <a:bodyPr/>
+          <a:lstStyle/>
+          <a:p>
+            <a:pPr>
+              <a:defRPr/>
+            </a:pPr>
             <a:fld id="{8A6B4FB4-8FAD-4B59-AFF5-991D386B206E}" type="datetimeFigureOut">
-              <a:rPr lang="en-DE" smtClean="0"/>
-              <a:t>12/12/2021</a:t>
+              <a:rPr/>
+              <a:t/>
             </a:fld>
-            <a:endParaRPr lang="en-DE"/>
-          </a:p>
-        </p:txBody>
-      </p:sp>
-      <p:sp>
-        <p:nvSpPr>
-          <p:cNvPr id="5" name="Fußzeilenplatzhalter 4">
-            <a:extLst>
-              <a:ext uri="{FF2B5EF4-FFF2-40B4-BE49-F238E27FC236}">
-                <a16:creationId xmlns:a16="http://schemas.microsoft.com/office/drawing/2014/main" id="{D26DB5E5-7E80-4C8E-A4E0-BDF81C5C02E6}"/>
-              </a:ext>
-            </a:extLst>
-          </p:cNvPr>
+            <a:endParaRPr/>
+          </a:p>
+        </p:txBody>
+      </p:sp>
+      <p:sp>
+        <p:nvSpPr>
+          <p:cNvPr id="5" name="Fußzeilenplatzhalter 4"/>
           <p:cNvSpPr>
             <a:spLocks noGrp="1"/>
           </p:cNvSpPr>
@@ -1233,24 +1102,21 @@
             <p:ph type="ftr" sz="quarter" idx="11"/>
           </p:nvPr>
         </p:nvSpPr>
-        <p:spPr/>
-        <p:txBody>
-          <a:bodyPr/>
-          <a:lstStyle/>
-          <a:p>
-            <a:endParaRPr lang="en-DE"/>
-          </a:p>
-        </p:txBody>
-      </p:sp>
-      <p:sp>
-        <p:nvSpPr>
-          <p:cNvPr id="6" name="Foliennummernplatzhalter 5">
-            <a:extLst>
-              <a:ext uri="{FF2B5EF4-FFF2-40B4-BE49-F238E27FC236}">
-                <a16:creationId xmlns:a16="http://schemas.microsoft.com/office/drawing/2014/main" id="{F631FD20-DC53-42E0-BF47-9E19BCC18283}"/>
-              </a:ext>
-            </a:extLst>
-          </p:cNvPr>
+        <p:spPr bwMode="auto"/>
+        <p:txBody>
+          <a:bodyPr/>
+          <a:lstStyle/>
+          <a:p>
+            <a:pPr>
+              <a:defRPr/>
+            </a:pPr>
+            <a:endParaRPr/>
+          </a:p>
+        </p:txBody>
+      </p:sp>
+      <p:sp>
+        <p:nvSpPr>
+          <p:cNvPr id="6" name="Foliennummernplatzhalter 5"/>
           <p:cNvSpPr>
             <a:spLocks noGrp="1"/>
           </p:cNvSpPr>
@@ -1258,25 +1124,23 @@
             <p:ph type="sldNum" sz="quarter" idx="12"/>
           </p:nvPr>
         </p:nvSpPr>
-        <p:spPr/>
-        <p:txBody>
-          <a:bodyPr/>
-          <a:lstStyle/>
-          <a:p>
+        <p:spPr bwMode="auto"/>
+        <p:txBody>
+          <a:bodyPr/>
+          <a:lstStyle/>
+          <a:p>
+            <a:pPr>
+              <a:defRPr/>
+            </a:pPr>
             <a:fld id="{B87CD8D1-6E26-474F-97AE-FDA0D9E18526}" type="slidenum">
-              <a:rPr lang="en-DE" smtClean="0"/>
-              <a:t>‹Nr.›</a:t>
+              <a:rPr/>
+              <a:t/>
             </a:fld>
-            <a:endParaRPr lang="en-DE"/>
+            <a:endParaRPr/>
           </a:p>
         </p:txBody>
       </p:sp>
     </p:spTree>
-    <p:extLst>
-      <p:ext uri="{BB962C8B-B14F-4D97-AF65-F5344CB8AC3E}">
-        <p14:creationId xmlns:p14="http://schemas.microsoft.com/office/powerpoint/2010/main" val="495501402"/>
-      </p:ext>
-    </p:extLst>
   </p:cSld>
   <p:clrMapOvr>
     <a:masterClrMapping/>
@@ -1285,7 +1149,7 @@
 </file>
 
 <file path=ppt/slideLayouts/slideLayout4.xml><?xml version="1.0" encoding="utf-8"?>
-<p:sldLayout xmlns:a="http://schemas.openxmlformats.org/drawingml/2006/main" xmlns:r="http://schemas.openxmlformats.org/officeDocument/2006/relationships" xmlns:p="http://schemas.openxmlformats.org/presentationml/2006/main" type="twoObj" preserve="1">
+<p:sldLayout xmlns:a="http://schemas.openxmlformats.org/drawingml/2006/main" xmlns:r="http://schemas.openxmlformats.org/officeDocument/2006/relationships" xmlns:p="http://schemas.openxmlformats.org/presentationml/2006/main" xmlns:m="http://schemas.openxmlformats.org/officeDocument/2006/math" xmlns:w="http://schemas.openxmlformats.org/wordprocessingml/2006/main" matchingName="" preserve="1" showMasterPhAnim="0" type="twoObj" userDrawn="1">
   <p:cSld name="Zwei Inhalte">
     <p:spTree>
       <p:nvGrpSpPr>
@@ -1293,7 +1157,7 @@
         <p:cNvGrpSpPr/>
         <p:nvPr/>
       </p:nvGrpSpPr>
-      <p:grpSpPr>
+      <p:grpSpPr bwMode="auto">
         <a:xfrm>
           <a:off x="0" y="0"/>
           <a:ext cx="0" cy="0"/>
@@ -1303,13 +1167,7 @@
       </p:grpSpPr>
       <p:sp>
         <p:nvSpPr>
-          <p:cNvPr id="2" name="Titel 1">
-            <a:extLst>
-              <a:ext uri="{FF2B5EF4-FFF2-40B4-BE49-F238E27FC236}">
-                <a16:creationId xmlns:a16="http://schemas.microsoft.com/office/drawing/2014/main" id="{64CDEABB-52AD-451B-9F97-E0BC1D138A18}"/>
-              </a:ext>
-            </a:extLst>
-          </p:cNvPr>
+          <p:cNvPr id="2" name="Titel 1"/>
           <p:cNvSpPr>
             <a:spLocks noGrp="1"/>
           </p:cNvSpPr>
@@ -1317,28 +1175,25 @@
             <p:ph type="title"/>
           </p:nvPr>
         </p:nvSpPr>
-        <p:spPr/>
-        <p:txBody>
-          <a:bodyPr/>
-          <a:lstStyle/>
-          <a:p>
+        <p:spPr bwMode="auto"/>
+        <p:txBody>
+          <a:bodyPr/>
+          <a:lstStyle/>
+          <a:p>
+            <a:pPr>
+              <a:defRPr/>
+            </a:pPr>
             <a:r>
               <a:rPr lang="de-DE"/>
               <a:t>Mastertitelformat bearbeiten</a:t>
             </a:r>
-            <a:endParaRPr lang="en-DE"/>
-          </a:p>
-        </p:txBody>
-      </p:sp>
-      <p:sp>
-        <p:nvSpPr>
-          <p:cNvPr id="3" name="Inhaltsplatzhalter 2">
-            <a:extLst>
-              <a:ext uri="{FF2B5EF4-FFF2-40B4-BE49-F238E27FC236}">
-                <a16:creationId xmlns:a16="http://schemas.microsoft.com/office/drawing/2014/main" id="{3F8C86D3-B8F2-4A57-ADED-F61E8DC86FFE}"/>
-              </a:ext>
-            </a:extLst>
-          </p:cNvPr>
+            <a:endParaRPr/>
+          </a:p>
+        </p:txBody>
+      </p:sp>
+      <p:sp>
+        <p:nvSpPr>
+          <p:cNvPr id="3" name="Inhaltsplatzhalter 2"/>
           <p:cNvSpPr>
             <a:spLocks noGrp="1"/>
           </p:cNvSpPr>
@@ -1346,7 +1201,7 @@
             <p:ph sz="half" idx="1"/>
           </p:nvPr>
         </p:nvSpPr>
-        <p:spPr>
+        <p:spPr bwMode="auto">
           <a:xfrm>
             <a:off x="838200" y="1825625"/>
             <a:ext cx="5181600" cy="4351338"/>
@@ -1356,52 +1211,60 @@
           <a:bodyPr/>
           <a:lstStyle/>
           <a:p>
-            <a:pPr lvl="0"/>
+            <a:pPr lvl="0">
+              <a:defRPr/>
+            </a:pPr>
             <a:r>
               <a:rPr lang="de-DE"/>
               <a:t>Mastertextformat bearbeiten</a:t>
             </a:r>
-          </a:p>
-          <a:p>
-            <a:pPr lvl="1"/>
+            <a:endParaRPr/>
+          </a:p>
+          <a:p>
+            <a:pPr lvl="1">
+              <a:defRPr/>
+            </a:pPr>
             <a:r>
               <a:rPr lang="de-DE"/>
               <a:t>Zweite Ebene</a:t>
             </a:r>
-          </a:p>
-          <a:p>
-            <a:pPr lvl="2"/>
+            <a:endParaRPr/>
+          </a:p>
+          <a:p>
+            <a:pPr lvl="2">
+              <a:defRPr/>
+            </a:pPr>
             <a:r>
               <a:rPr lang="de-DE"/>
               <a:t>Dritte Ebene</a:t>
             </a:r>
-          </a:p>
-          <a:p>
-            <a:pPr lvl="3"/>
+            <a:endParaRPr/>
+          </a:p>
+          <a:p>
+            <a:pPr lvl="3">
+              <a:defRPr/>
+            </a:pPr>
             <a:r>
               <a:rPr lang="de-DE"/>
               <a:t>Vierte Ebene</a:t>
             </a:r>
-          </a:p>
-          <a:p>
-            <a:pPr lvl="4"/>
+            <a:endParaRPr/>
+          </a:p>
+          <a:p>
+            <a:pPr lvl="4">
+              <a:defRPr/>
+            </a:pPr>
             <a:r>
               <a:rPr lang="de-DE"/>
               <a:t>Fünfte Ebene</a:t>
             </a:r>
-            <a:endParaRPr lang="en-DE"/>
-          </a:p>
-        </p:txBody>
-      </p:sp>
-      <p:sp>
-        <p:nvSpPr>
-          <p:cNvPr id="4" name="Inhaltsplatzhalter 3">
-            <a:extLst>
-              <a:ext uri="{FF2B5EF4-FFF2-40B4-BE49-F238E27FC236}">
-                <a16:creationId xmlns:a16="http://schemas.microsoft.com/office/drawing/2014/main" id="{ACAA5361-44E2-4B2A-93C4-40389B659940}"/>
-              </a:ext>
-            </a:extLst>
-          </p:cNvPr>
+            <a:endParaRPr/>
+          </a:p>
+        </p:txBody>
+      </p:sp>
+      <p:sp>
+        <p:nvSpPr>
+          <p:cNvPr id="4" name="Inhaltsplatzhalter 3"/>
           <p:cNvSpPr>
             <a:spLocks noGrp="1"/>
           </p:cNvSpPr>
@@ -1409,7 +1272,7 @@
             <p:ph sz="half" idx="2"/>
           </p:nvPr>
         </p:nvSpPr>
-        <p:spPr>
+        <p:spPr bwMode="auto">
           <a:xfrm>
             <a:off x="6172200" y="1825625"/>
             <a:ext cx="5181600" cy="4351338"/>
@@ -1419,52 +1282,60 @@
           <a:bodyPr/>
           <a:lstStyle/>
           <a:p>
-            <a:pPr lvl="0"/>
+            <a:pPr lvl="0">
+              <a:defRPr/>
+            </a:pPr>
             <a:r>
               <a:rPr lang="de-DE"/>
               <a:t>Mastertextformat bearbeiten</a:t>
             </a:r>
-          </a:p>
-          <a:p>
-            <a:pPr lvl="1"/>
+            <a:endParaRPr/>
+          </a:p>
+          <a:p>
+            <a:pPr lvl="1">
+              <a:defRPr/>
+            </a:pPr>
             <a:r>
               <a:rPr lang="de-DE"/>
               <a:t>Zweite Ebene</a:t>
             </a:r>
-          </a:p>
-          <a:p>
-            <a:pPr lvl="2"/>
+            <a:endParaRPr/>
+          </a:p>
+          <a:p>
+            <a:pPr lvl="2">
+              <a:defRPr/>
+            </a:pPr>
             <a:r>
               <a:rPr lang="de-DE"/>
               <a:t>Dritte Ebene</a:t>
             </a:r>
-          </a:p>
-          <a:p>
-            <a:pPr lvl="3"/>
+            <a:endParaRPr/>
+          </a:p>
+          <a:p>
+            <a:pPr lvl="3">
+              <a:defRPr/>
+            </a:pPr>
             <a:r>
               <a:rPr lang="de-DE"/>
               <a:t>Vierte Ebene</a:t>
             </a:r>
-          </a:p>
-          <a:p>
-            <a:pPr lvl="4"/>
+            <a:endParaRPr/>
+          </a:p>
+          <a:p>
+            <a:pPr lvl="4">
+              <a:defRPr/>
+            </a:pPr>
             <a:r>
               <a:rPr lang="de-DE"/>
               <a:t>Fünfte Ebene</a:t>
             </a:r>
-            <a:endParaRPr lang="en-DE"/>
-          </a:p>
-        </p:txBody>
-      </p:sp>
-      <p:sp>
-        <p:nvSpPr>
-          <p:cNvPr id="5" name="Datumsplatzhalter 4">
-            <a:extLst>
-              <a:ext uri="{FF2B5EF4-FFF2-40B4-BE49-F238E27FC236}">
-                <a16:creationId xmlns:a16="http://schemas.microsoft.com/office/drawing/2014/main" id="{2872EF30-E26B-4DE5-8511-9E784684D459}"/>
-              </a:ext>
-            </a:extLst>
-          </p:cNvPr>
+            <a:endParaRPr/>
+          </a:p>
+        </p:txBody>
+      </p:sp>
+      <p:sp>
+        <p:nvSpPr>
+          <p:cNvPr id="5" name="Datumsplatzhalter 4"/>
           <p:cNvSpPr>
             <a:spLocks noGrp="1"/>
           </p:cNvSpPr>
@@ -1472,28 +1343,25 @@
             <p:ph type="dt" sz="half" idx="10"/>
           </p:nvPr>
         </p:nvSpPr>
-        <p:spPr/>
-        <p:txBody>
-          <a:bodyPr/>
-          <a:lstStyle/>
-          <a:p>
+        <p:spPr bwMode="auto"/>
+        <p:txBody>
+          <a:bodyPr/>
+          <a:lstStyle/>
+          <a:p>
+            <a:pPr>
+              <a:defRPr/>
+            </a:pPr>
             <a:fld id="{8A6B4FB4-8FAD-4B59-AFF5-991D386B206E}" type="datetimeFigureOut">
-              <a:rPr lang="en-DE" smtClean="0"/>
-              <a:t>12/12/2021</a:t>
+              <a:rPr/>
+              <a:t/>
             </a:fld>
-            <a:endParaRPr lang="en-DE"/>
-          </a:p>
-        </p:txBody>
-      </p:sp>
-      <p:sp>
-        <p:nvSpPr>
-          <p:cNvPr id="6" name="Fußzeilenplatzhalter 5">
-            <a:extLst>
-              <a:ext uri="{FF2B5EF4-FFF2-40B4-BE49-F238E27FC236}">
-                <a16:creationId xmlns:a16="http://schemas.microsoft.com/office/drawing/2014/main" id="{7A57CB22-D5BB-4ECC-BAB3-1C21CCCE2F98}"/>
-              </a:ext>
-            </a:extLst>
-          </p:cNvPr>
+            <a:endParaRPr/>
+          </a:p>
+        </p:txBody>
+      </p:sp>
+      <p:sp>
+        <p:nvSpPr>
+          <p:cNvPr id="6" name="Fußzeilenplatzhalter 5"/>
           <p:cNvSpPr>
             <a:spLocks noGrp="1"/>
           </p:cNvSpPr>
@@ -1501,24 +1369,21 @@
             <p:ph type="ftr" sz="quarter" idx="11"/>
           </p:nvPr>
         </p:nvSpPr>
-        <p:spPr/>
-        <p:txBody>
-          <a:bodyPr/>
-          <a:lstStyle/>
-          <a:p>
-            <a:endParaRPr lang="en-DE"/>
-          </a:p>
-        </p:txBody>
-      </p:sp>
-      <p:sp>
-        <p:nvSpPr>
-          <p:cNvPr id="7" name="Foliennummernplatzhalter 6">
-            <a:extLst>
-              <a:ext uri="{FF2B5EF4-FFF2-40B4-BE49-F238E27FC236}">
-                <a16:creationId xmlns:a16="http://schemas.microsoft.com/office/drawing/2014/main" id="{5667CF3F-A562-4592-982F-C2B142098B6D}"/>
-              </a:ext>
-            </a:extLst>
-          </p:cNvPr>
+        <p:spPr bwMode="auto"/>
+        <p:txBody>
+          <a:bodyPr/>
+          <a:lstStyle/>
+          <a:p>
+            <a:pPr>
+              <a:defRPr/>
+            </a:pPr>
+            <a:endParaRPr/>
+          </a:p>
+        </p:txBody>
+      </p:sp>
+      <p:sp>
+        <p:nvSpPr>
+          <p:cNvPr id="7" name="Foliennummernplatzhalter 6"/>
           <p:cNvSpPr>
             <a:spLocks noGrp="1"/>
           </p:cNvSpPr>
@@ -1526,25 +1391,23 @@
             <p:ph type="sldNum" sz="quarter" idx="12"/>
           </p:nvPr>
         </p:nvSpPr>
-        <p:spPr/>
-        <p:txBody>
-          <a:bodyPr/>
-          <a:lstStyle/>
-          <a:p>
+        <p:spPr bwMode="auto"/>
+        <p:txBody>
+          <a:bodyPr/>
+          <a:lstStyle/>
+          <a:p>
+            <a:pPr>
+              <a:defRPr/>
+            </a:pPr>
             <a:fld id="{B87CD8D1-6E26-474F-97AE-FDA0D9E18526}" type="slidenum">
-              <a:rPr lang="en-DE" smtClean="0"/>
-              <a:t>‹Nr.›</a:t>
+              <a:rPr/>
+              <a:t/>
             </a:fld>
-            <a:endParaRPr lang="en-DE"/>
+            <a:endParaRPr/>
           </a:p>
         </p:txBody>
       </p:sp>
     </p:spTree>
-    <p:extLst>
-      <p:ext uri="{BB962C8B-B14F-4D97-AF65-F5344CB8AC3E}">
-        <p14:creationId xmlns:p14="http://schemas.microsoft.com/office/powerpoint/2010/main" val="3496697920"/>
-      </p:ext>
-    </p:extLst>
   </p:cSld>
   <p:clrMapOvr>
     <a:masterClrMapping/>
@@ -1553,7 +1416,7 @@
 </file>
 
 <file path=ppt/slideLayouts/slideLayout5.xml><?xml version="1.0" encoding="utf-8"?>
-<p:sldLayout xmlns:a="http://schemas.openxmlformats.org/drawingml/2006/main" xmlns:r="http://schemas.openxmlformats.org/officeDocument/2006/relationships" xmlns:p="http://schemas.openxmlformats.org/presentationml/2006/main" type="twoTxTwoObj" preserve="1">
+<p:sldLayout xmlns:a="http://schemas.openxmlformats.org/drawingml/2006/main" xmlns:r="http://schemas.openxmlformats.org/officeDocument/2006/relationships" xmlns:p="http://schemas.openxmlformats.org/presentationml/2006/main" xmlns:m="http://schemas.openxmlformats.org/officeDocument/2006/math" xmlns:w="http://schemas.openxmlformats.org/wordprocessingml/2006/main" matchingName="" preserve="1" showMasterPhAnim="0" type="twoTxTwoObj" userDrawn="1">
   <p:cSld name="Vergleich">
     <p:spTree>
       <p:nvGrpSpPr>
@@ -1561,7 +1424,7 @@
         <p:cNvGrpSpPr/>
         <p:nvPr/>
       </p:nvGrpSpPr>
-      <p:grpSpPr>
+      <p:grpSpPr bwMode="auto">
         <a:xfrm>
           <a:off x="0" y="0"/>
           <a:ext cx="0" cy="0"/>
@@ -1571,13 +1434,7 @@
       </p:grpSpPr>
       <p:sp>
         <p:nvSpPr>
-          <p:cNvPr id="2" name="Titel 1">
-            <a:extLst>
-              <a:ext uri="{FF2B5EF4-FFF2-40B4-BE49-F238E27FC236}">
-                <a16:creationId xmlns:a16="http://schemas.microsoft.com/office/drawing/2014/main" id="{411CC697-B56E-4272-AEFF-C87CB4174F8F}"/>
-              </a:ext>
-            </a:extLst>
-          </p:cNvPr>
+          <p:cNvPr id="2" name="Titel 1"/>
           <p:cNvSpPr>
             <a:spLocks noGrp="1"/>
           </p:cNvSpPr>
@@ -1585,7 +1442,7 @@
             <p:ph type="title"/>
           </p:nvPr>
         </p:nvSpPr>
-        <p:spPr>
+        <p:spPr bwMode="auto">
           <a:xfrm>
             <a:off x="839788" y="365125"/>
             <a:ext cx="10515600" cy="1325563"/>
@@ -1595,23 +1452,20 @@
           <a:bodyPr/>
           <a:lstStyle/>
           <a:p>
+            <a:pPr>
+              <a:defRPr/>
+            </a:pPr>
             <a:r>
               <a:rPr lang="de-DE"/>
               <a:t>Mastertitelformat bearbeiten</a:t>
             </a:r>
-            <a:endParaRPr lang="en-DE"/>
-          </a:p>
-        </p:txBody>
-      </p:sp>
-      <p:sp>
-        <p:nvSpPr>
-          <p:cNvPr id="3" name="Textplatzhalter 2">
-            <a:extLst>
-              <a:ext uri="{FF2B5EF4-FFF2-40B4-BE49-F238E27FC236}">
-                <a16:creationId xmlns:a16="http://schemas.microsoft.com/office/drawing/2014/main" id="{B2FC6BC2-96B3-4124-A959-703C5991D0F3}"/>
-              </a:ext>
-            </a:extLst>
-          </p:cNvPr>
+            <a:endParaRPr/>
+          </a:p>
+        </p:txBody>
+      </p:sp>
+      <p:sp>
+        <p:nvSpPr>
+          <p:cNvPr id="3" name="Textplatzhalter 2"/>
           <p:cNvSpPr>
             <a:spLocks noGrp="1"/>
           </p:cNvSpPr>
@@ -1619,7 +1473,7 @@
             <p:ph type="body" idx="1"/>
           </p:nvPr>
         </p:nvSpPr>
-        <p:spPr>
+        <p:spPr bwMode="auto">
           <a:xfrm>
             <a:off x="839788" y="1681163"/>
             <a:ext cx="5157787" cy="823912"/>
@@ -1666,23 +1520,20 @@
             </a:lvl9pPr>
           </a:lstStyle>
           <a:p>
-            <a:pPr lvl="0"/>
+            <a:pPr lvl="0">
+              <a:defRPr/>
+            </a:pPr>
             <a:r>
               <a:rPr lang="de-DE"/>
               <a:t>Mastertextformat bearbeiten</a:t>
             </a:r>
-          </a:p>
-        </p:txBody>
-      </p:sp>
-      <p:sp>
-        <p:nvSpPr>
-          <p:cNvPr id="4" name="Inhaltsplatzhalter 3">
-            <a:extLst>
-              <a:ext uri="{FF2B5EF4-FFF2-40B4-BE49-F238E27FC236}">
-                <a16:creationId xmlns:a16="http://schemas.microsoft.com/office/drawing/2014/main" id="{5563D6A3-4218-4246-9B0F-DA241DBB1186}"/>
-              </a:ext>
-            </a:extLst>
-          </p:cNvPr>
+            <a:endParaRPr/>
+          </a:p>
+        </p:txBody>
+      </p:sp>
+      <p:sp>
+        <p:nvSpPr>
+          <p:cNvPr id="4" name="Inhaltsplatzhalter 3"/>
           <p:cNvSpPr>
             <a:spLocks noGrp="1"/>
           </p:cNvSpPr>
@@ -1690,9 +1541,9 @@
             <p:ph sz="half" idx="2"/>
           </p:nvPr>
         </p:nvSpPr>
-        <p:spPr>
+        <p:spPr bwMode="auto">
           <a:xfrm>
-            <a:off x="839788" y="2505075"/>
+            <a:off x="839788" y="2505074"/>
             <a:ext cx="5157787" cy="3684588"/>
           </a:xfrm>
         </p:spPr>
@@ -1700,52 +1551,60 @@
           <a:bodyPr/>
           <a:lstStyle/>
           <a:p>
-            <a:pPr lvl="0"/>
+            <a:pPr lvl="0">
+              <a:defRPr/>
+            </a:pPr>
             <a:r>
               <a:rPr lang="de-DE"/>
               <a:t>Mastertextformat bearbeiten</a:t>
             </a:r>
-          </a:p>
-          <a:p>
-            <a:pPr lvl="1"/>
+            <a:endParaRPr/>
+          </a:p>
+          <a:p>
+            <a:pPr lvl="1">
+              <a:defRPr/>
+            </a:pPr>
             <a:r>
               <a:rPr lang="de-DE"/>
               <a:t>Zweite Ebene</a:t>
             </a:r>
-          </a:p>
-          <a:p>
-            <a:pPr lvl="2"/>
+            <a:endParaRPr/>
+          </a:p>
+          <a:p>
+            <a:pPr lvl="2">
+              <a:defRPr/>
+            </a:pPr>
             <a:r>
               <a:rPr lang="de-DE"/>
               <a:t>Dritte Ebene</a:t>
             </a:r>
-          </a:p>
-          <a:p>
-            <a:pPr lvl="3"/>
+            <a:endParaRPr/>
+          </a:p>
+          <a:p>
+            <a:pPr lvl="3">
+              <a:defRPr/>
+            </a:pPr>
             <a:r>
               <a:rPr lang="de-DE"/>
               <a:t>Vierte Ebene</a:t>
             </a:r>
-          </a:p>
-          <a:p>
-            <a:pPr lvl="4"/>
+            <a:endParaRPr/>
+          </a:p>
+          <a:p>
+            <a:pPr lvl="4">
+              <a:defRPr/>
+            </a:pPr>
             <a:r>
               <a:rPr lang="de-DE"/>
               <a:t>Fünfte Ebene</a:t>
             </a:r>
-            <a:endParaRPr lang="en-DE"/>
-          </a:p>
-        </p:txBody>
-      </p:sp>
-      <p:sp>
-        <p:nvSpPr>
-          <p:cNvPr id="5" name="Textplatzhalter 4">
-            <a:extLst>
-              <a:ext uri="{FF2B5EF4-FFF2-40B4-BE49-F238E27FC236}">
-                <a16:creationId xmlns:a16="http://schemas.microsoft.com/office/drawing/2014/main" id="{0587E310-6A08-47C0-8ABB-9B517054721C}"/>
-              </a:ext>
-            </a:extLst>
-          </p:cNvPr>
+            <a:endParaRPr/>
+          </a:p>
+        </p:txBody>
+      </p:sp>
+      <p:sp>
+        <p:nvSpPr>
+          <p:cNvPr id="5" name="Textplatzhalter 4"/>
           <p:cNvSpPr>
             <a:spLocks noGrp="1"/>
           </p:cNvSpPr>
@@ -1753,7 +1612,7 @@
             <p:ph type="body" sz="quarter" idx="3"/>
           </p:nvPr>
         </p:nvSpPr>
-        <p:spPr>
+        <p:spPr bwMode="auto">
           <a:xfrm>
             <a:off x="6172200" y="1681163"/>
             <a:ext cx="5183188" cy="823912"/>
@@ -1800,23 +1659,20 @@
             </a:lvl9pPr>
           </a:lstStyle>
           <a:p>
-            <a:pPr lvl="0"/>
+            <a:pPr lvl="0">
+              <a:defRPr/>
+            </a:pPr>
             <a:r>
               <a:rPr lang="de-DE"/>
               <a:t>Mastertextformat bearbeiten</a:t>
             </a:r>
-          </a:p>
-        </p:txBody>
-      </p:sp>
-      <p:sp>
-        <p:nvSpPr>
-          <p:cNvPr id="6" name="Inhaltsplatzhalter 5">
-            <a:extLst>
-              <a:ext uri="{FF2B5EF4-FFF2-40B4-BE49-F238E27FC236}">
-                <a16:creationId xmlns:a16="http://schemas.microsoft.com/office/drawing/2014/main" id="{885EB950-EE38-466D-B58C-747C45358330}"/>
-              </a:ext>
-            </a:extLst>
-          </p:cNvPr>
+            <a:endParaRPr/>
+          </a:p>
+        </p:txBody>
+      </p:sp>
+      <p:sp>
+        <p:nvSpPr>
+          <p:cNvPr id="6" name="Inhaltsplatzhalter 5"/>
           <p:cNvSpPr>
             <a:spLocks noGrp="1"/>
           </p:cNvSpPr>
@@ -1824,9 +1680,9 @@
             <p:ph sz="quarter" idx="4"/>
           </p:nvPr>
         </p:nvSpPr>
-        <p:spPr>
+        <p:spPr bwMode="auto">
           <a:xfrm>
-            <a:off x="6172200" y="2505075"/>
+            <a:off x="6172200" y="2505074"/>
             <a:ext cx="5183188" cy="3684588"/>
           </a:xfrm>
         </p:spPr>
@@ -1834,52 +1690,60 @@
           <a:bodyPr/>
           <a:lstStyle/>
           <a:p>
-            <a:pPr lvl="0"/>
+            <a:pPr lvl="0">
+              <a:defRPr/>
+            </a:pPr>
             <a:r>
               <a:rPr lang="de-DE"/>
               <a:t>Mastertextformat bearbeiten</a:t>
             </a:r>
-          </a:p>
-          <a:p>
-            <a:pPr lvl="1"/>
+            <a:endParaRPr/>
+          </a:p>
+          <a:p>
+            <a:pPr lvl="1">
+              <a:defRPr/>
+            </a:pPr>
             <a:r>
               <a:rPr lang="de-DE"/>
               <a:t>Zweite Ebene</a:t>
             </a:r>
-          </a:p>
-          <a:p>
-            <a:pPr lvl="2"/>
+            <a:endParaRPr/>
+          </a:p>
+          <a:p>
+            <a:pPr lvl="2">
+              <a:defRPr/>
+            </a:pPr>
             <a:r>
               <a:rPr lang="de-DE"/>
               <a:t>Dritte Ebene</a:t>
             </a:r>
-          </a:p>
-          <a:p>
-            <a:pPr lvl="3"/>
+            <a:endParaRPr/>
+          </a:p>
+          <a:p>
+            <a:pPr lvl="3">
+              <a:defRPr/>
+            </a:pPr>
             <a:r>
               <a:rPr lang="de-DE"/>
               <a:t>Vierte Ebene</a:t>
             </a:r>
-          </a:p>
-          <a:p>
-            <a:pPr lvl="4"/>
+            <a:endParaRPr/>
+          </a:p>
+          <a:p>
+            <a:pPr lvl="4">
+              <a:defRPr/>
+            </a:pPr>
             <a:r>
               <a:rPr lang="de-DE"/>
               <a:t>Fünfte Ebene</a:t>
             </a:r>
-            <a:endParaRPr lang="en-DE"/>
-          </a:p>
-        </p:txBody>
-      </p:sp>
-      <p:sp>
-        <p:nvSpPr>
-          <p:cNvPr id="7" name="Datumsplatzhalter 6">
-            <a:extLst>
-              <a:ext uri="{FF2B5EF4-FFF2-40B4-BE49-F238E27FC236}">
-                <a16:creationId xmlns:a16="http://schemas.microsoft.com/office/drawing/2014/main" id="{66DC0F45-D77E-48C0-AE82-5A90BF8D6E1D}"/>
-              </a:ext>
-            </a:extLst>
-          </p:cNvPr>
+            <a:endParaRPr/>
+          </a:p>
+        </p:txBody>
+      </p:sp>
+      <p:sp>
+        <p:nvSpPr>
+          <p:cNvPr id="7" name="Datumsplatzhalter 6"/>
           <p:cNvSpPr>
             <a:spLocks noGrp="1"/>
           </p:cNvSpPr>
@@ -1887,28 +1751,25 @@
             <p:ph type="dt" sz="half" idx="10"/>
           </p:nvPr>
         </p:nvSpPr>
-        <p:spPr/>
-        <p:txBody>
-          <a:bodyPr/>
-          <a:lstStyle/>
-          <a:p>
+        <p:spPr bwMode="auto"/>
+        <p:txBody>
+          <a:bodyPr/>
+          <a:lstStyle/>
+          <a:p>
+            <a:pPr>
+              <a:defRPr/>
+            </a:pPr>
             <a:fld id="{8A6B4FB4-8FAD-4B59-AFF5-991D386B206E}" type="datetimeFigureOut">
-              <a:rPr lang="en-DE" smtClean="0"/>
-              <a:t>12/12/2021</a:t>
+              <a:rPr/>
+              <a:t/>
             </a:fld>
-            <a:endParaRPr lang="en-DE"/>
-          </a:p>
-        </p:txBody>
-      </p:sp>
-      <p:sp>
-        <p:nvSpPr>
-          <p:cNvPr id="8" name="Fußzeilenplatzhalter 7">
-            <a:extLst>
-              <a:ext uri="{FF2B5EF4-FFF2-40B4-BE49-F238E27FC236}">
-                <a16:creationId xmlns:a16="http://schemas.microsoft.com/office/drawing/2014/main" id="{859BA977-D87B-4CEC-800E-21777F024C5A}"/>
-              </a:ext>
-            </a:extLst>
-          </p:cNvPr>
+            <a:endParaRPr/>
+          </a:p>
+        </p:txBody>
+      </p:sp>
+      <p:sp>
+        <p:nvSpPr>
+          <p:cNvPr id="8" name="Fußzeilenplatzhalter 7"/>
           <p:cNvSpPr>
             <a:spLocks noGrp="1"/>
           </p:cNvSpPr>
@@ -1916,24 +1777,21 @@
             <p:ph type="ftr" sz="quarter" idx="11"/>
           </p:nvPr>
         </p:nvSpPr>
-        <p:spPr/>
-        <p:txBody>
-          <a:bodyPr/>
-          <a:lstStyle/>
-          <a:p>
-            <a:endParaRPr lang="en-DE"/>
-          </a:p>
-        </p:txBody>
-      </p:sp>
-      <p:sp>
-        <p:nvSpPr>
-          <p:cNvPr id="9" name="Foliennummernplatzhalter 8">
-            <a:extLst>
-              <a:ext uri="{FF2B5EF4-FFF2-40B4-BE49-F238E27FC236}">
-                <a16:creationId xmlns:a16="http://schemas.microsoft.com/office/drawing/2014/main" id="{F5235B86-CAEA-41FC-AEB5-5C8B73A3254F}"/>
-              </a:ext>
-            </a:extLst>
-          </p:cNvPr>
+        <p:spPr bwMode="auto"/>
+        <p:txBody>
+          <a:bodyPr/>
+          <a:lstStyle/>
+          <a:p>
+            <a:pPr>
+              <a:defRPr/>
+            </a:pPr>
+            <a:endParaRPr/>
+          </a:p>
+        </p:txBody>
+      </p:sp>
+      <p:sp>
+        <p:nvSpPr>
+          <p:cNvPr id="9" name="Foliennummernplatzhalter 8"/>
           <p:cNvSpPr>
             <a:spLocks noGrp="1"/>
           </p:cNvSpPr>
@@ -1941,25 +1799,23 @@
             <p:ph type="sldNum" sz="quarter" idx="12"/>
           </p:nvPr>
         </p:nvSpPr>
-        <p:spPr/>
-        <p:txBody>
-          <a:bodyPr/>
-          <a:lstStyle/>
-          <a:p>
+        <p:spPr bwMode="auto"/>
+        <p:txBody>
+          <a:bodyPr/>
+          <a:lstStyle/>
+          <a:p>
+            <a:pPr>
+              <a:defRPr/>
+            </a:pPr>
             <a:fld id="{B87CD8D1-6E26-474F-97AE-FDA0D9E18526}" type="slidenum">
-              <a:rPr lang="en-DE" smtClean="0"/>
-              <a:t>‹Nr.›</a:t>
+              <a:rPr/>
+              <a:t/>
             </a:fld>
-            <a:endParaRPr lang="en-DE"/>
+            <a:endParaRPr/>
           </a:p>
         </p:txBody>
       </p:sp>
     </p:spTree>
-    <p:extLst>
-      <p:ext uri="{BB962C8B-B14F-4D97-AF65-F5344CB8AC3E}">
-        <p14:creationId xmlns:p14="http://schemas.microsoft.com/office/powerpoint/2010/main" val="2862797232"/>
-      </p:ext>
-    </p:extLst>
   </p:cSld>
   <p:clrMapOvr>
     <a:masterClrMapping/>
@@ -1968,7 +1824,7 @@
 </file>
 
 <file path=ppt/slideLayouts/slideLayout6.xml><?xml version="1.0" encoding="utf-8"?>
-<p:sldLayout xmlns:a="http://schemas.openxmlformats.org/drawingml/2006/main" xmlns:r="http://schemas.openxmlformats.org/officeDocument/2006/relationships" xmlns:p="http://schemas.openxmlformats.org/presentationml/2006/main" type="titleOnly" preserve="1">
+<p:sldLayout xmlns:a="http://schemas.openxmlformats.org/drawingml/2006/main" xmlns:r="http://schemas.openxmlformats.org/officeDocument/2006/relationships" xmlns:p="http://schemas.openxmlformats.org/presentationml/2006/main" xmlns:m="http://schemas.openxmlformats.org/officeDocument/2006/math" xmlns:w="http://schemas.openxmlformats.org/wordprocessingml/2006/main" matchingName="" preserve="1" showMasterPhAnim="0" type="titleOnly" userDrawn="1">
   <p:cSld name="Nur Titel">
     <p:spTree>
       <p:nvGrpSpPr>
@@ -1976,7 +1832,7 @@
         <p:cNvGrpSpPr/>
         <p:nvPr/>
       </p:nvGrpSpPr>
-      <p:grpSpPr>
+      <p:grpSpPr bwMode="auto">
         <a:xfrm>
           <a:off x="0" y="0"/>
           <a:ext cx="0" cy="0"/>
@@ -1986,13 +1842,7 @@
       </p:grpSpPr>
       <p:sp>
         <p:nvSpPr>
-          <p:cNvPr id="2" name="Titel 1">
-            <a:extLst>
-              <a:ext uri="{FF2B5EF4-FFF2-40B4-BE49-F238E27FC236}">
-                <a16:creationId xmlns:a16="http://schemas.microsoft.com/office/drawing/2014/main" id="{12E7B145-7210-4C03-ADE9-A172FC6915C8}"/>
-              </a:ext>
-            </a:extLst>
-          </p:cNvPr>
+          <p:cNvPr id="2" name="Titel 1"/>
           <p:cNvSpPr>
             <a:spLocks noGrp="1"/>
           </p:cNvSpPr>
@@ -2000,28 +1850,25 @@
             <p:ph type="title"/>
           </p:nvPr>
         </p:nvSpPr>
-        <p:spPr/>
-        <p:txBody>
-          <a:bodyPr/>
-          <a:lstStyle/>
-          <a:p>
+        <p:spPr bwMode="auto"/>
+        <p:txBody>
+          <a:bodyPr/>
+          <a:lstStyle/>
+          <a:p>
+            <a:pPr>
+              <a:defRPr/>
+            </a:pPr>
             <a:r>
               <a:rPr lang="de-DE"/>
               <a:t>Mastertitelformat bearbeiten</a:t>
             </a:r>
-            <a:endParaRPr lang="en-DE"/>
-          </a:p>
-        </p:txBody>
-      </p:sp>
-      <p:sp>
-        <p:nvSpPr>
-          <p:cNvPr id="3" name="Datumsplatzhalter 2">
-            <a:extLst>
-              <a:ext uri="{FF2B5EF4-FFF2-40B4-BE49-F238E27FC236}">
-                <a16:creationId xmlns:a16="http://schemas.microsoft.com/office/drawing/2014/main" id="{D0BC0FB6-F5A5-4555-8910-510E6B4A1538}"/>
-              </a:ext>
-            </a:extLst>
-          </p:cNvPr>
+            <a:endParaRPr/>
+          </a:p>
+        </p:txBody>
+      </p:sp>
+      <p:sp>
+        <p:nvSpPr>
+          <p:cNvPr id="3" name="Datumsplatzhalter 2"/>
           <p:cNvSpPr>
             <a:spLocks noGrp="1"/>
           </p:cNvSpPr>
@@ -2029,28 +1876,25 @@
             <p:ph type="dt" sz="half" idx="10"/>
           </p:nvPr>
         </p:nvSpPr>
-        <p:spPr/>
-        <p:txBody>
-          <a:bodyPr/>
-          <a:lstStyle/>
-          <a:p>
+        <p:spPr bwMode="auto"/>
+        <p:txBody>
+          <a:bodyPr/>
+          <a:lstStyle/>
+          <a:p>
+            <a:pPr>
+              <a:defRPr/>
+            </a:pPr>
             <a:fld id="{8A6B4FB4-8FAD-4B59-AFF5-991D386B206E}" type="datetimeFigureOut">
-              <a:rPr lang="en-DE" smtClean="0"/>
-              <a:t>12/12/2021</a:t>
+              <a:rPr/>
+              <a:t/>
             </a:fld>
-            <a:endParaRPr lang="en-DE"/>
-          </a:p>
-        </p:txBody>
-      </p:sp>
-      <p:sp>
-        <p:nvSpPr>
-          <p:cNvPr id="4" name="Fußzeilenplatzhalter 3">
-            <a:extLst>
-              <a:ext uri="{FF2B5EF4-FFF2-40B4-BE49-F238E27FC236}">
-                <a16:creationId xmlns:a16="http://schemas.microsoft.com/office/drawing/2014/main" id="{1253AFC1-67C5-4BC5-A630-3E22A7AED22D}"/>
-              </a:ext>
-            </a:extLst>
-          </p:cNvPr>
+            <a:endParaRPr/>
+          </a:p>
+        </p:txBody>
+      </p:sp>
+      <p:sp>
+        <p:nvSpPr>
+          <p:cNvPr id="4" name="Fußzeilenplatzhalter 3"/>
           <p:cNvSpPr>
             <a:spLocks noGrp="1"/>
           </p:cNvSpPr>
@@ -2058,24 +1902,21 @@
             <p:ph type="ftr" sz="quarter" idx="11"/>
           </p:nvPr>
         </p:nvSpPr>
-        <p:spPr/>
-        <p:txBody>
-          <a:bodyPr/>
-          <a:lstStyle/>
-          <a:p>
-            <a:endParaRPr lang="en-DE"/>
-          </a:p>
-        </p:txBody>
-      </p:sp>
-      <p:sp>
-        <p:nvSpPr>
-          <p:cNvPr id="5" name="Foliennummernplatzhalter 4">
-            <a:extLst>
-              <a:ext uri="{FF2B5EF4-FFF2-40B4-BE49-F238E27FC236}">
-                <a16:creationId xmlns:a16="http://schemas.microsoft.com/office/drawing/2014/main" id="{B016B830-F2FC-4BB9-9CA0-193F5D7B2672}"/>
-              </a:ext>
-            </a:extLst>
-          </p:cNvPr>
+        <p:spPr bwMode="auto"/>
+        <p:txBody>
+          <a:bodyPr/>
+          <a:lstStyle/>
+          <a:p>
+            <a:pPr>
+              <a:defRPr/>
+            </a:pPr>
+            <a:endParaRPr/>
+          </a:p>
+        </p:txBody>
+      </p:sp>
+      <p:sp>
+        <p:nvSpPr>
+          <p:cNvPr id="5" name="Foliennummernplatzhalter 4"/>
           <p:cNvSpPr>
             <a:spLocks noGrp="1"/>
           </p:cNvSpPr>
@@ -2083,25 +1924,23 @@
             <p:ph type="sldNum" sz="quarter" idx="12"/>
           </p:nvPr>
         </p:nvSpPr>
-        <p:spPr/>
-        <p:txBody>
-          <a:bodyPr/>
-          <a:lstStyle/>
-          <a:p>
+        <p:spPr bwMode="auto"/>
+        <p:txBody>
+          <a:bodyPr/>
+          <a:lstStyle/>
+          <a:p>
+            <a:pPr>
+              <a:defRPr/>
+            </a:pPr>
             <a:fld id="{B87CD8D1-6E26-474F-97AE-FDA0D9E18526}" type="slidenum">
-              <a:rPr lang="en-DE" smtClean="0"/>
-              <a:t>‹Nr.›</a:t>
+              <a:rPr/>
+              <a:t/>
             </a:fld>
-            <a:endParaRPr lang="en-DE"/>
+            <a:endParaRPr/>
           </a:p>
         </p:txBody>
       </p:sp>
     </p:spTree>
-    <p:extLst>
-      <p:ext uri="{BB962C8B-B14F-4D97-AF65-F5344CB8AC3E}">
-        <p14:creationId xmlns:p14="http://schemas.microsoft.com/office/powerpoint/2010/main" val="1161899473"/>
-      </p:ext>
-    </p:extLst>
   </p:cSld>
   <p:clrMapOvr>
     <a:masterClrMapping/>
@@ -2110,7 +1949,7 @@
 </file>
 
 <file path=ppt/slideLayouts/slideLayout7.xml><?xml version="1.0" encoding="utf-8"?>
-<p:sldLayout xmlns:a="http://schemas.openxmlformats.org/drawingml/2006/main" xmlns:r="http://schemas.openxmlformats.org/officeDocument/2006/relationships" xmlns:p="http://schemas.openxmlformats.org/presentationml/2006/main" type="blank" preserve="1">
+<p:sldLayout xmlns:a="http://schemas.openxmlformats.org/drawingml/2006/main" xmlns:r="http://schemas.openxmlformats.org/officeDocument/2006/relationships" xmlns:p="http://schemas.openxmlformats.org/presentationml/2006/main" xmlns:m="http://schemas.openxmlformats.org/officeDocument/2006/math" xmlns:w="http://schemas.openxmlformats.org/wordprocessingml/2006/main" matchingName="" preserve="1" showMasterPhAnim="0" type="blank" userDrawn="1">
   <p:cSld name="Leer">
     <p:spTree>
       <p:nvGrpSpPr>
@@ -2118,7 +1957,7 @@
         <p:cNvGrpSpPr/>
         <p:nvPr/>
       </p:nvGrpSpPr>
-      <p:grpSpPr>
+      <p:grpSpPr bwMode="auto">
         <a:xfrm>
           <a:off x="0" y="0"/>
           <a:ext cx="0" cy="0"/>
@@ -2128,13 +1967,7 @@
       </p:grpSpPr>
       <p:sp>
         <p:nvSpPr>
-          <p:cNvPr id="2" name="Datumsplatzhalter 1">
-            <a:extLst>
-              <a:ext uri="{FF2B5EF4-FFF2-40B4-BE49-F238E27FC236}">
-                <a16:creationId xmlns:a16="http://schemas.microsoft.com/office/drawing/2014/main" id="{C13A2F97-D391-4E36-8E40-204EA547E447}"/>
-              </a:ext>
-            </a:extLst>
-          </p:cNvPr>
+          <p:cNvPr id="2" name="Datumsplatzhalter 1"/>
           <p:cNvSpPr>
             <a:spLocks noGrp="1"/>
           </p:cNvSpPr>
@@ -2142,28 +1975,25 @@
             <p:ph type="dt" sz="half" idx="10"/>
           </p:nvPr>
         </p:nvSpPr>
-        <p:spPr/>
-        <p:txBody>
-          <a:bodyPr/>
-          <a:lstStyle/>
-          <a:p>
+        <p:spPr bwMode="auto"/>
+        <p:txBody>
+          <a:bodyPr/>
+          <a:lstStyle/>
+          <a:p>
+            <a:pPr>
+              <a:defRPr/>
+            </a:pPr>
             <a:fld id="{8A6B4FB4-8FAD-4B59-AFF5-991D386B206E}" type="datetimeFigureOut">
-              <a:rPr lang="en-DE" smtClean="0"/>
-              <a:t>12/12/2021</a:t>
+              <a:rPr/>
+              <a:t/>
             </a:fld>
-            <a:endParaRPr lang="en-DE"/>
-          </a:p>
-        </p:txBody>
-      </p:sp>
-      <p:sp>
-        <p:nvSpPr>
-          <p:cNvPr id="3" name="Fußzeilenplatzhalter 2">
-            <a:extLst>
-              <a:ext uri="{FF2B5EF4-FFF2-40B4-BE49-F238E27FC236}">
-                <a16:creationId xmlns:a16="http://schemas.microsoft.com/office/drawing/2014/main" id="{CDBF9B52-4D6A-4EA4-A5E8-39B9C822A768}"/>
-              </a:ext>
-            </a:extLst>
-          </p:cNvPr>
+            <a:endParaRPr/>
+          </a:p>
+        </p:txBody>
+      </p:sp>
+      <p:sp>
+        <p:nvSpPr>
+          <p:cNvPr id="3" name="Fußzeilenplatzhalter 2"/>
           <p:cNvSpPr>
             <a:spLocks noGrp="1"/>
           </p:cNvSpPr>
@@ -2171,24 +2001,21 @@
             <p:ph type="ftr" sz="quarter" idx="11"/>
           </p:nvPr>
         </p:nvSpPr>
-        <p:spPr/>
-        <p:txBody>
-          <a:bodyPr/>
-          <a:lstStyle/>
-          <a:p>
-            <a:endParaRPr lang="en-DE"/>
-          </a:p>
-        </p:txBody>
-      </p:sp>
-      <p:sp>
-        <p:nvSpPr>
-          <p:cNvPr id="4" name="Foliennummernplatzhalter 3">
-            <a:extLst>
-              <a:ext uri="{FF2B5EF4-FFF2-40B4-BE49-F238E27FC236}">
-                <a16:creationId xmlns:a16="http://schemas.microsoft.com/office/drawing/2014/main" id="{6483ABCE-4C77-4545-83DE-378A60F09141}"/>
-              </a:ext>
-            </a:extLst>
-          </p:cNvPr>
+        <p:spPr bwMode="auto"/>
+        <p:txBody>
+          <a:bodyPr/>
+          <a:lstStyle/>
+          <a:p>
+            <a:pPr>
+              <a:defRPr/>
+            </a:pPr>
+            <a:endParaRPr/>
+          </a:p>
+        </p:txBody>
+      </p:sp>
+      <p:sp>
+        <p:nvSpPr>
+          <p:cNvPr id="4" name="Foliennummernplatzhalter 3"/>
           <p:cNvSpPr>
             <a:spLocks noGrp="1"/>
           </p:cNvSpPr>
@@ -2196,25 +2023,23 @@
             <p:ph type="sldNum" sz="quarter" idx="12"/>
           </p:nvPr>
         </p:nvSpPr>
-        <p:spPr/>
-        <p:txBody>
-          <a:bodyPr/>
-          <a:lstStyle/>
-          <a:p>
+        <p:spPr bwMode="auto"/>
+        <p:txBody>
+          <a:bodyPr/>
+          <a:lstStyle/>
+          <a:p>
+            <a:pPr>
+              <a:defRPr/>
+            </a:pPr>
             <a:fld id="{B87CD8D1-6E26-474F-97AE-FDA0D9E18526}" type="slidenum">
-              <a:rPr lang="en-DE" smtClean="0"/>
-              <a:t>‹Nr.›</a:t>
+              <a:rPr/>
+              <a:t/>
             </a:fld>
-            <a:endParaRPr lang="en-DE"/>
+            <a:endParaRPr/>
           </a:p>
         </p:txBody>
       </p:sp>
     </p:spTree>
-    <p:extLst>
-      <p:ext uri="{BB962C8B-B14F-4D97-AF65-F5344CB8AC3E}">
-        <p14:creationId xmlns:p14="http://schemas.microsoft.com/office/powerpoint/2010/main" val="3018400458"/>
-      </p:ext>
-    </p:extLst>
   </p:cSld>
   <p:clrMapOvr>
     <a:masterClrMapping/>
@@ -2223,7 +2048,7 @@
 </file>
 
 <file path=ppt/slideLayouts/slideLayout8.xml><?xml version="1.0" encoding="utf-8"?>
-<p:sldLayout xmlns:a="http://schemas.openxmlformats.org/drawingml/2006/main" xmlns:r="http://schemas.openxmlformats.org/officeDocument/2006/relationships" xmlns:p="http://schemas.openxmlformats.org/presentationml/2006/main" type="objTx" preserve="1">
+<p:sldLayout xmlns:a="http://schemas.openxmlformats.org/drawingml/2006/main" xmlns:r="http://schemas.openxmlformats.org/officeDocument/2006/relationships" xmlns:p="http://schemas.openxmlformats.org/presentationml/2006/main" xmlns:m="http://schemas.openxmlformats.org/officeDocument/2006/math" xmlns:w="http://schemas.openxmlformats.org/wordprocessingml/2006/main" matchingName="" preserve="1" showMasterPhAnim="0" type="objTx" userDrawn="1">
   <p:cSld name="Inhalt mit Überschrift">
     <p:spTree>
       <p:nvGrpSpPr>
@@ -2231,7 +2056,7 @@
         <p:cNvGrpSpPr/>
         <p:nvPr/>
       </p:nvGrpSpPr>
-      <p:grpSpPr>
+      <p:grpSpPr bwMode="auto">
         <a:xfrm>
           <a:off x="0" y="0"/>
           <a:ext cx="0" cy="0"/>
@@ -2241,13 +2066,7 @@
       </p:grpSpPr>
       <p:sp>
         <p:nvSpPr>
-          <p:cNvPr id="2" name="Titel 1">
-            <a:extLst>
-              <a:ext uri="{FF2B5EF4-FFF2-40B4-BE49-F238E27FC236}">
-                <a16:creationId xmlns:a16="http://schemas.microsoft.com/office/drawing/2014/main" id="{3AE15225-0AE7-4723-AF17-020B971FD714}"/>
-              </a:ext>
-            </a:extLst>
-          </p:cNvPr>
+          <p:cNvPr id="2" name="Titel 1"/>
           <p:cNvSpPr>
             <a:spLocks noGrp="1"/>
           </p:cNvSpPr>
@@ -2255,7 +2074,7 @@
             <p:ph type="title"/>
           </p:nvPr>
         </p:nvSpPr>
-        <p:spPr>
+        <p:spPr bwMode="auto">
           <a:xfrm>
             <a:off x="839788" y="457200"/>
             <a:ext cx="3932237" cy="1600200"/>
@@ -2269,23 +2088,20 @@
             </a:lvl1pPr>
           </a:lstStyle>
           <a:p>
+            <a:pPr>
+              <a:defRPr/>
+            </a:pPr>
             <a:r>
               <a:rPr lang="de-DE"/>
               <a:t>Mastertitelformat bearbeiten</a:t>
             </a:r>
-            <a:endParaRPr lang="en-DE"/>
-          </a:p>
-        </p:txBody>
-      </p:sp>
-      <p:sp>
-        <p:nvSpPr>
-          <p:cNvPr id="3" name="Inhaltsplatzhalter 2">
-            <a:extLst>
-              <a:ext uri="{FF2B5EF4-FFF2-40B4-BE49-F238E27FC236}">
-                <a16:creationId xmlns:a16="http://schemas.microsoft.com/office/drawing/2014/main" id="{86BEA9CB-4873-4B3C-AD88-7C38774E49FB}"/>
-              </a:ext>
-            </a:extLst>
-          </p:cNvPr>
+            <a:endParaRPr/>
+          </a:p>
+        </p:txBody>
+      </p:sp>
+      <p:sp>
+        <p:nvSpPr>
+          <p:cNvPr id="3" name="Inhaltsplatzhalter 2"/>
           <p:cNvSpPr>
             <a:spLocks noGrp="1"/>
           </p:cNvSpPr>
@@ -2293,7 +2109,7 @@
             <p:ph idx="1"/>
           </p:nvPr>
         </p:nvSpPr>
-        <p:spPr>
+        <p:spPr bwMode="auto">
           <a:xfrm>
             <a:off x="5183188" y="987425"/>
             <a:ext cx="6172200" cy="4873625"/>
@@ -2331,52 +2147,60 @@
             </a:lvl9pPr>
           </a:lstStyle>
           <a:p>
-            <a:pPr lvl="0"/>
+            <a:pPr lvl="0">
+              <a:defRPr/>
+            </a:pPr>
             <a:r>
               <a:rPr lang="de-DE"/>
               <a:t>Mastertextformat bearbeiten</a:t>
             </a:r>
-          </a:p>
-          <a:p>
-            <a:pPr lvl="1"/>
+            <a:endParaRPr/>
+          </a:p>
+          <a:p>
+            <a:pPr lvl="1">
+              <a:defRPr/>
+            </a:pPr>
             <a:r>
               <a:rPr lang="de-DE"/>
               <a:t>Zweite Ebene</a:t>
             </a:r>
-          </a:p>
-          <a:p>
-            <a:pPr lvl="2"/>
+            <a:endParaRPr/>
+          </a:p>
+          <a:p>
+            <a:pPr lvl="2">
+              <a:defRPr/>
+            </a:pPr>
             <a:r>
               <a:rPr lang="de-DE"/>
               <a:t>Dritte Ebene</a:t>
             </a:r>
-          </a:p>
-          <a:p>
-            <a:pPr lvl="3"/>
+            <a:endParaRPr/>
+          </a:p>
+          <a:p>
+            <a:pPr lvl="3">
+              <a:defRPr/>
+            </a:pPr>
             <a:r>
               <a:rPr lang="de-DE"/>
               <a:t>Vierte Ebene</a:t>
             </a:r>
-          </a:p>
-          <a:p>
-            <a:pPr lvl="4"/>
+            <a:endParaRPr/>
+          </a:p>
+          <a:p>
+            <a:pPr lvl="4">
+              <a:defRPr/>
+            </a:pPr>
             <a:r>
               <a:rPr lang="de-DE"/>
               <a:t>Fünfte Ebene</a:t>
             </a:r>
-            <a:endParaRPr lang="en-DE"/>
-          </a:p>
-        </p:txBody>
-      </p:sp>
-      <p:sp>
-        <p:nvSpPr>
-          <p:cNvPr id="4" name="Textplatzhalter 3">
-            <a:extLst>
-              <a:ext uri="{FF2B5EF4-FFF2-40B4-BE49-F238E27FC236}">
-                <a16:creationId xmlns:a16="http://schemas.microsoft.com/office/drawing/2014/main" id="{62B4CA78-F4BB-4ADD-9B8B-5A696FF19A22}"/>
-              </a:ext>
-            </a:extLst>
-          </p:cNvPr>
+            <a:endParaRPr/>
+          </a:p>
+        </p:txBody>
+      </p:sp>
+      <p:sp>
+        <p:nvSpPr>
+          <p:cNvPr id="4" name="Textplatzhalter 3"/>
           <p:cNvSpPr>
             <a:spLocks noGrp="1"/>
           </p:cNvSpPr>
@@ -2384,7 +2208,7 @@
             <p:ph type="body" sz="half" idx="2"/>
           </p:nvPr>
         </p:nvSpPr>
-        <p:spPr>
+        <p:spPr bwMode="auto">
           <a:xfrm>
             <a:off x="839788" y="2057400"/>
             <a:ext cx="3932237" cy="3811588"/>
@@ -2431,23 +2255,20 @@
             </a:lvl9pPr>
           </a:lstStyle>
           <a:p>
-            <a:pPr lvl="0"/>
+            <a:pPr lvl="0">
+              <a:defRPr/>
+            </a:pPr>
             <a:r>
               <a:rPr lang="de-DE"/>
               <a:t>Mastertextformat bearbeiten</a:t>
             </a:r>
-          </a:p>
-        </p:txBody>
-      </p:sp>
-      <p:sp>
-        <p:nvSpPr>
-          <p:cNvPr id="5" name="Datumsplatzhalter 4">
-            <a:extLst>
-              <a:ext uri="{FF2B5EF4-FFF2-40B4-BE49-F238E27FC236}">
-                <a16:creationId xmlns:a16="http://schemas.microsoft.com/office/drawing/2014/main" id="{DB5B0B20-4183-49A0-9155-5450328B6C7B}"/>
-              </a:ext>
-            </a:extLst>
-          </p:cNvPr>
+            <a:endParaRPr/>
+          </a:p>
+        </p:txBody>
+      </p:sp>
+      <p:sp>
+        <p:nvSpPr>
+          <p:cNvPr id="5" name="Datumsplatzhalter 4"/>
           <p:cNvSpPr>
             <a:spLocks noGrp="1"/>
           </p:cNvSpPr>
@@ -2455,28 +2276,25 @@
             <p:ph type="dt" sz="half" idx="10"/>
           </p:nvPr>
         </p:nvSpPr>
-        <p:spPr/>
-        <p:txBody>
-          <a:bodyPr/>
-          <a:lstStyle/>
-          <a:p>
+        <p:spPr bwMode="auto"/>
+        <p:txBody>
+          <a:bodyPr/>
+          <a:lstStyle/>
+          <a:p>
+            <a:pPr>
+              <a:defRPr/>
+            </a:pPr>
             <a:fld id="{8A6B4FB4-8FAD-4B59-AFF5-991D386B206E}" type="datetimeFigureOut">
-              <a:rPr lang="en-DE" smtClean="0"/>
-              <a:t>12/12/2021</a:t>
+              <a:rPr/>
+              <a:t/>
             </a:fld>
-            <a:endParaRPr lang="en-DE"/>
-          </a:p>
-        </p:txBody>
-      </p:sp>
-      <p:sp>
-        <p:nvSpPr>
-          <p:cNvPr id="6" name="Fußzeilenplatzhalter 5">
-            <a:extLst>
-              <a:ext uri="{FF2B5EF4-FFF2-40B4-BE49-F238E27FC236}">
-                <a16:creationId xmlns:a16="http://schemas.microsoft.com/office/drawing/2014/main" id="{7ED46432-2B87-4CCA-8355-33A69E185DAD}"/>
-              </a:ext>
-            </a:extLst>
-          </p:cNvPr>
+            <a:endParaRPr/>
+          </a:p>
+        </p:txBody>
+      </p:sp>
+      <p:sp>
+        <p:nvSpPr>
+          <p:cNvPr id="6" name="Fußzeilenplatzhalter 5"/>
           <p:cNvSpPr>
             <a:spLocks noGrp="1"/>
           </p:cNvSpPr>
@@ -2484,24 +2302,21 @@
             <p:ph type="ftr" sz="quarter" idx="11"/>
           </p:nvPr>
         </p:nvSpPr>
-        <p:spPr/>
-        <p:txBody>
-          <a:bodyPr/>
-          <a:lstStyle/>
-          <a:p>
-            <a:endParaRPr lang="en-DE"/>
-          </a:p>
-        </p:txBody>
-      </p:sp>
-      <p:sp>
-        <p:nvSpPr>
-          <p:cNvPr id="7" name="Foliennummernplatzhalter 6">
-            <a:extLst>
-              <a:ext uri="{FF2B5EF4-FFF2-40B4-BE49-F238E27FC236}">
-                <a16:creationId xmlns:a16="http://schemas.microsoft.com/office/drawing/2014/main" id="{05C8033B-61DA-4054-B067-178FE471F5E7}"/>
-              </a:ext>
-            </a:extLst>
-          </p:cNvPr>
+        <p:spPr bwMode="auto"/>
+        <p:txBody>
+          <a:bodyPr/>
+          <a:lstStyle/>
+          <a:p>
+            <a:pPr>
+              <a:defRPr/>
+            </a:pPr>
+            <a:endParaRPr/>
+          </a:p>
+        </p:txBody>
+      </p:sp>
+      <p:sp>
+        <p:nvSpPr>
+          <p:cNvPr id="7" name="Foliennummernplatzhalter 6"/>
           <p:cNvSpPr>
             <a:spLocks noGrp="1"/>
           </p:cNvSpPr>
@@ -2509,25 +2324,23 @@
             <p:ph type="sldNum" sz="quarter" idx="12"/>
           </p:nvPr>
         </p:nvSpPr>
-        <p:spPr/>
-        <p:txBody>
-          <a:bodyPr/>
-          <a:lstStyle/>
-          <a:p>
+        <p:spPr bwMode="auto"/>
+        <p:txBody>
+          <a:bodyPr/>
+          <a:lstStyle/>
+          <a:p>
+            <a:pPr>
+              <a:defRPr/>
+            </a:pPr>
             <a:fld id="{B87CD8D1-6E26-474F-97AE-FDA0D9E18526}" type="slidenum">
-              <a:rPr lang="en-DE" smtClean="0"/>
-              <a:t>‹Nr.›</a:t>
+              <a:rPr/>
+              <a:t/>
             </a:fld>
-            <a:endParaRPr lang="en-DE"/>
+            <a:endParaRPr/>
           </a:p>
         </p:txBody>
       </p:sp>
     </p:spTree>
-    <p:extLst>
-      <p:ext uri="{BB962C8B-B14F-4D97-AF65-F5344CB8AC3E}">
-        <p14:creationId xmlns:p14="http://schemas.microsoft.com/office/powerpoint/2010/main" val="3007759677"/>
-      </p:ext>
-    </p:extLst>
   </p:cSld>
   <p:clrMapOvr>
     <a:masterClrMapping/>
@@ -2536,7 +2349,7 @@
 </file>
 
 <file path=ppt/slideLayouts/slideLayout9.xml><?xml version="1.0" encoding="utf-8"?>
-<p:sldLayout xmlns:a="http://schemas.openxmlformats.org/drawingml/2006/main" xmlns:r="http://schemas.openxmlformats.org/officeDocument/2006/relationships" xmlns:p="http://schemas.openxmlformats.org/presentationml/2006/main" type="picTx" preserve="1">
+<p:sldLayout xmlns:a="http://schemas.openxmlformats.org/drawingml/2006/main" xmlns:r="http://schemas.openxmlformats.org/officeDocument/2006/relationships" xmlns:p="http://schemas.openxmlformats.org/presentationml/2006/main" xmlns:m="http://schemas.openxmlformats.org/officeDocument/2006/math" xmlns:w="http://schemas.openxmlformats.org/wordprocessingml/2006/main" matchingName="" preserve="1" showMasterPhAnim="0" type="picTx" userDrawn="1">
   <p:cSld name="Bild mit Überschrift">
     <p:spTree>
       <p:nvGrpSpPr>
@@ -2544,7 +2357,7 @@
         <p:cNvGrpSpPr/>
         <p:nvPr/>
       </p:nvGrpSpPr>
-      <p:grpSpPr>
+      <p:grpSpPr bwMode="auto">
         <a:xfrm>
           <a:off x="0" y="0"/>
           <a:ext cx="0" cy="0"/>
@@ -2554,13 +2367,7 @@
       </p:grpSpPr>
       <p:sp>
         <p:nvSpPr>
-          <p:cNvPr id="2" name="Titel 1">
-            <a:extLst>
-              <a:ext uri="{FF2B5EF4-FFF2-40B4-BE49-F238E27FC236}">
-                <a16:creationId xmlns:a16="http://schemas.microsoft.com/office/drawing/2014/main" id="{C9212889-AB1A-4DA5-B621-35807929AB33}"/>
-              </a:ext>
-            </a:extLst>
-          </p:cNvPr>
+          <p:cNvPr id="2" name="Titel 1"/>
           <p:cNvSpPr>
             <a:spLocks noGrp="1"/>
           </p:cNvSpPr>
@@ -2568,7 +2375,7 @@
             <p:ph type="title"/>
           </p:nvPr>
         </p:nvSpPr>
-        <p:spPr>
+        <p:spPr bwMode="auto">
           <a:xfrm>
             <a:off x="839788" y="457200"/>
             <a:ext cx="3932237" cy="1600200"/>
@@ -2582,23 +2389,20 @@
             </a:lvl1pPr>
           </a:lstStyle>
           <a:p>
+            <a:pPr>
+              <a:defRPr/>
+            </a:pPr>
             <a:r>
               <a:rPr lang="de-DE"/>
               <a:t>Mastertitelformat bearbeiten</a:t>
             </a:r>
-            <a:endParaRPr lang="en-DE"/>
-          </a:p>
-        </p:txBody>
-      </p:sp>
-      <p:sp>
-        <p:nvSpPr>
-          <p:cNvPr id="3" name="Bildplatzhalter 2">
-            <a:extLst>
-              <a:ext uri="{FF2B5EF4-FFF2-40B4-BE49-F238E27FC236}">
-                <a16:creationId xmlns:a16="http://schemas.microsoft.com/office/drawing/2014/main" id="{C2731EE6-E859-43A4-A96F-423EA4F6E38D}"/>
-              </a:ext>
-            </a:extLst>
-          </p:cNvPr>
+            <a:endParaRPr/>
+          </a:p>
+        </p:txBody>
+      </p:sp>
+      <p:sp>
+        <p:nvSpPr>
+          <p:cNvPr id="3" name="Bildplatzhalter 2"/>
           <p:cNvSpPr>
             <a:spLocks noGrp="1"/>
           </p:cNvSpPr>
@@ -2606,7 +2410,7 @@
             <p:ph type="pic" idx="1"/>
           </p:nvPr>
         </p:nvSpPr>
-        <p:spPr>
+        <p:spPr bwMode="auto">
           <a:xfrm>
             <a:off x="5183188" y="987425"/>
             <a:ext cx="6172200" cy="4873625"/>
@@ -2653,19 +2457,16 @@
             </a:lvl9pPr>
           </a:lstStyle>
           <a:p>
-            <a:endParaRPr lang="en-DE"/>
-          </a:p>
-        </p:txBody>
-      </p:sp>
-      <p:sp>
-        <p:nvSpPr>
-          <p:cNvPr id="4" name="Textplatzhalter 3">
-            <a:extLst>
-              <a:ext uri="{FF2B5EF4-FFF2-40B4-BE49-F238E27FC236}">
-                <a16:creationId xmlns:a16="http://schemas.microsoft.com/office/drawing/2014/main" id="{11B6A9C0-8712-457B-AD4C-CEE0CFEC883A}"/>
-              </a:ext>
-            </a:extLst>
-          </p:cNvPr>
+            <a:pPr>
+              <a:defRPr/>
+            </a:pPr>
+            <a:endParaRPr/>
+          </a:p>
+        </p:txBody>
+      </p:sp>
+      <p:sp>
+        <p:nvSpPr>
+          <p:cNvPr id="4" name="Textplatzhalter 3"/>
           <p:cNvSpPr>
             <a:spLocks noGrp="1"/>
           </p:cNvSpPr>
@@ -2673,7 +2474,7 @@
             <p:ph type="body" sz="half" idx="2"/>
           </p:nvPr>
         </p:nvSpPr>
-        <p:spPr>
+        <p:spPr bwMode="auto">
           <a:xfrm>
             <a:off x="839788" y="2057400"/>
             <a:ext cx="3932237" cy="3811588"/>
@@ -2720,23 +2521,20 @@
             </a:lvl9pPr>
           </a:lstStyle>
           <a:p>
-            <a:pPr lvl="0"/>
+            <a:pPr lvl="0">
+              <a:defRPr/>
+            </a:pPr>
             <a:r>
               <a:rPr lang="de-DE"/>
               <a:t>Mastertextformat bearbeiten</a:t>
             </a:r>
-          </a:p>
-        </p:txBody>
-      </p:sp>
-      <p:sp>
-        <p:nvSpPr>
-          <p:cNvPr id="5" name="Datumsplatzhalter 4">
-            <a:extLst>
-              <a:ext uri="{FF2B5EF4-FFF2-40B4-BE49-F238E27FC236}">
-                <a16:creationId xmlns:a16="http://schemas.microsoft.com/office/drawing/2014/main" id="{6CA73D3C-9138-4309-B670-F909521313B6}"/>
-              </a:ext>
-            </a:extLst>
-          </p:cNvPr>
+            <a:endParaRPr/>
+          </a:p>
+        </p:txBody>
+      </p:sp>
+      <p:sp>
+        <p:nvSpPr>
+          <p:cNvPr id="5" name="Datumsplatzhalter 4"/>
           <p:cNvSpPr>
             <a:spLocks noGrp="1"/>
           </p:cNvSpPr>
@@ -2744,28 +2542,25 @@
             <p:ph type="dt" sz="half" idx="10"/>
           </p:nvPr>
         </p:nvSpPr>
-        <p:spPr/>
-        <p:txBody>
-          <a:bodyPr/>
-          <a:lstStyle/>
-          <a:p>
+        <p:spPr bwMode="auto"/>
+        <p:txBody>
+          <a:bodyPr/>
+          <a:lstStyle/>
+          <a:p>
+            <a:pPr>
+              <a:defRPr/>
+            </a:pPr>
             <a:fld id="{8A6B4FB4-8FAD-4B59-AFF5-991D386B206E}" type="datetimeFigureOut">
-              <a:rPr lang="en-DE" smtClean="0"/>
-              <a:t>12/12/2021</a:t>
+              <a:rPr/>
+              <a:t/>
             </a:fld>
-            <a:endParaRPr lang="en-DE"/>
-          </a:p>
-        </p:txBody>
-      </p:sp>
-      <p:sp>
-        <p:nvSpPr>
-          <p:cNvPr id="6" name="Fußzeilenplatzhalter 5">
-            <a:extLst>
-              <a:ext uri="{FF2B5EF4-FFF2-40B4-BE49-F238E27FC236}">
-                <a16:creationId xmlns:a16="http://schemas.microsoft.com/office/drawing/2014/main" id="{73999ACF-06C3-4D23-A9CA-DC3EFCEE61FC}"/>
-              </a:ext>
-            </a:extLst>
-          </p:cNvPr>
+            <a:endParaRPr/>
+          </a:p>
+        </p:txBody>
+      </p:sp>
+      <p:sp>
+        <p:nvSpPr>
+          <p:cNvPr id="6" name="Fußzeilenplatzhalter 5"/>
           <p:cNvSpPr>
             <a:spLocks noGrp="1"/>
           </p:cNvSpPr>
@@ -2773,24 +2568,21 @@
             <p:ph type="ftr" sz="quarter" idx="11"/>
           </p:nvPr>
         </p:nvSpPr>
-        <p:spPr/>
-        <p:txBody>
-          <a:bodyPr/>
-          <a:lstStyle/>
-          <a:p>
-            <a:endParaRPr lang="en-DE"/>
-          </a:p>
-        </p:txBody>
-      </p:sp>
-      <p:sp>
-        <p:nvSpPr>
-          <p:cNvPr id="7" name="Foliennummernplatzhalter 6">
-            <a:extLst>
-              <a:ext uri="{FF2B5EF4-FFF2-40B4-BE49-F238E27FC236}">
-                <a16:creationId xmlns:a16="http://schemas.microsoft.com/office/drawing/2014/main" id="{9DAC8408-1D6E-4CC1-9B74-0FA2CC7B49A4}"/>
-              </a:ext>
-            </a:extLst>
-          </p:cNvPr>
+        <p:spPr bwMode="auto"/>
+        <p:txBody>
+          <a:bodyPr/>
+          <a:lstStyle/>
+          <a:p>
+            <a:pPr>
+              <a:defRPr/>
+            </a:pPr>
+            <a:endParaRPr/>
+          </a:p>
+        </p:txBody>
+      </p:sp>
+      <p:sp>
+        <p:nvSpPr>
+          <p:cNvPr id="7" name="Foliennummernplatzhalter 6"/>
           <p:cNvSpPr>
             <a:spLocks noGrp="1"/>
           </p:cNvSpPr>
@@ -2798,25 +2590,23 @@
             <p:ph type="sldNum" sz="quarter" idx="12"/>
           </p:nvPr>
         </p:nvSpPr>
-        <p:spPr/>
-        <p:txBody>
-          <a:bodyPr/>
-          <a:lstStyle/>
-          <a:p>
+        <p:spPr bwMode="auto"/>
+        <p:txBody>
+          <a:bodyPr/>
+          <a:lstStyle/>
+          <a:p>
+            <a:pPr>
+              <a:defRPr/>
+            </a:pPr>
             <a:fld id="{B87CD8D1-6E26-474F-97AE-FDA0D9E18526}" type="slidenum">
-              <a:rPr lang="en-DE" smtClean="0"/>
-              <a:t>‹Nr.›</a:t>
+              <a:rPr/>
+              <a:t/>
             </a:fld>
-            <a:endParaRPr lang="en-DE"/>
+            <a:endParaRPr/>
           </a:p>
         </p:txBody>
       </p:sp>
     </p:spTree>
-    <p:extLst>
-      <p:ext uri="{BB962C8B-B14F-4D97-AF65-F5344CB8AC3E}">
-        <p14:creationId xmlns:p14="http://schemas.microsoft.com/office/powerpoint/2010/main" val="2782823908"/>
-      </p:ext>
-    </p:extLst>
   </p:cSld>
   <p:clrMapOvr>
     <a:masterClrMapping/>
@@ -2825,8 +2615,8 @@
 </file>
 
 <file path=ppt/slideMasters/slideMaster1.xml><?xml version="1.0" encoding="utf-8"?>
-<p:sldMaster xmlns:a="http://schemas.openxmlformats.org/drawingml/2006/main" xmlns:r="http://schemas.openxmlformats.org/officeDocument/2006/relationships" xmlns:p="http://schemas.openxmlformats.org/presentationml/2006/main">
-  <p:cSld>
+<p:sldMaster xmlns:a="http://schemas.openxmlformats.org/drawingml/2006/main" xmlns:r="http://schemas.openxmlformats.org/officeDocument/2006/relationships" xmlns:p="http://schemas.openxmlformats.org/presentationml/2006/main" xmlns:m="http://schemas.openxmlformats.org/officeDocument/2006/math" xmlns:w="http://schemas.openxmlformats.org/wordprocessingml/2006/main" preserve="0">
+  <p:cSld name="">
     <p:bg>
       <p:bgRef idx="1001">
         <a:schemeClr val="bg1"/>
@@ -2838,7 +2628,7 @@
         <p:cNvGrpSpPr/>
         <p:nvPr/>
       </p:nvGrpSpPr>
-      <p:grpSpPr>
+      <p:grpSpPr bwMode="auto">
         <a:xfrm>
           <a:off x="0" y="0"/>
           <a:ext cx="0" cy="0"/>
@@ -2848,13 +2638,7 @@
       </p:grpSpPr>
       <p:sp>
         <p:nvSpPr>
-          <p:cNvPr id="2" name="Titelplatzhalter 1">
-            <a:extLst>
-              <a:ext uri="{FF2B5EF4-FFF2-40B4-BE49-F238E27FC236}">
-                <a16:creationId xmlns:a16="http://schemas.microsoft.com/office/drawing/2014/main" id="{EB8E3632-14F3-48D9-80CB-2F30EF3206E6}"/>
-              </a:ext>
-            </a:extLst>
-          </p:cNvPr>
+          <p:cNvPr id="2" name="Titelplatzhalter 1"/>
           <p:cNvSpPr>
             <a:spLocks noGrp="1"/>
           </p:cNvSpPr>
@@ -2862,7 +2646,7 @@
             <p:ph type="title"/>
           </p:nvPr>
         </p:nvSpPr>
-        <p:spPr>
+        <p:spPr bwMode="auto">
           <a:xfrm>
             <a:off x="838200" y="365125"/>
             <a:ext cx="10515600" cy="1325563"/>
@@ -2877,23 +2661,20 @@
           </a:bodyPr>
           <a:lstStyle/>
           <a:p>
+            <a:pPr>
+              <a:defRPr/>
+            </a:pPr>
             <a:r>
               <a:rPr lang="de-DE"/>
               <a:t>Mastertitelformat bearbeiten</a:t>
             </a:r>
-            <a:endParaRPr lang="en-DE"/>
-          </a:p>
-        </p:txBody>
-      </p:sp>
-      <p:sp>
-        <p:nvSpPr>
-          <p:cNvPr id="3" name="Textplatzhalter 2">
-            <a:extLst>
-              <a:ext uri="{FF2B5EF4-FFF2-40B4-BE49-F238E27FC236}">
-                <a16:creationId xmlns:a16="http://schemas.microsoft.com/office/drawing/2014/main" id="{21B3EC7A-31A9-4D40-B739-496A6EB48CE6}"/>
-              </a:ext>
-            </a:extLst>
-          </p:cNvPr>
+            <a:endParaRPr/>
+          </a:p>
+        </p:txBody>
+      </p:sp>
+      <p:sp>
+        <p:nvSpPr>
+          <p:cNvPr id="3" name="Textplatzhalter 2"/>
           <p:cNvSpPr>
             <a:spLocks noGrp="1"/>
           </p:cNvSpPr>
@@ -2901,7 +2682,7 @@
             <p:ph type="body" idx="1"/>
           </p:nvPr>
         </p:nvSpPr>
-        <p:spPr>
+        <p:spPr bwMode="auto">
           <a:xfrm>
             <a:off x="838200" y="1825625"/>
             <a:ext cx="10515600" cy="4351338"/>
@@ -2916,52 +2697,60 @@
           </a:bodyPr>
           <a:lstStyle/>
           <a:p>
-            <a:pPr lvl="0"/>
+            <a:pPr lvl="0">
+              <a:defRPr/>
+            </a:pPr>
             <a:r>
               <a:rPr lang="de-DE"/>
               <a:t>Mastertextformat bearbeiten</a:t>
             </a:r>
-          </a:p>
-          <a:p>
-            <a:pPr lvl="1"/>
+            <a:endParaRPr/>
+          </a:p>
+          <a:p>
+            <a:pPr lvl="1">
+              <a:defRPr/>
+            </a:pPr>
             <a:r>
               <a:rPr lang="de-DE"/>
               <a:t>Zweite Ebene</a:t>
             </a:r>
-          </a:p>
-          <a:p>
-            <a:pPr lvl="2"/>
+            <a:endParaRPr/>
+          </a:p>
+          <a:p>
+            <a:pPr lvl="2">
+              <a:defRPr/>
+            </a:pPr>
             <a:r>
               <a:rPr lang="de-DE"/>
               <a:t>Dritte Ebene</a:t>
             </a:r>
-          </a:p>
-          <a:p>
-            <a:pPr lvl="3"/>
+            <a:endParaRPr/>
+          </a:p>
+          <a:p>
+            <a:pPr lvl="3">
+              <a:defRPr/>
+            </a:pPr>
             <a:r>
               <a:rPr lang="de-DE"/>
               <a:t>Vierte Ebene</a:t>
             </a:r>
-          </a:p>
-          <a:p>
-            <a:pPr lvl="4"/>
+            <a:endParaRPr/>
+          </a:p>
+          <a:p>
+            <a:pPr lvl="4">
+              <a:defRPr/>
+            </a:pPr>
             <a:r>
               <a:rPr lang="de-DE"/>
               <a:t>Fünfte Ebene</a:t>
             </a:r>
-            <a:endParaRPr lang="en-DE"/>
-          </a:p>
-        </p:txBody>
-      </p:sp>
-      <p:sp>
-        <p:nvSpPr>
-          <p:cNvPr id="4" name="Datumsplatzhalter 3">
-            <a:extLst>
-              <a:ext uri="{FF2B5EF4-FFF2-40B4-BE49-F238E27FC236}">
-                <a16:creationId xmlns:a16="http://schemas.microsoft.com/office/drawing/2014/main" id="{2287613F-D933-4C43-80AC-1A2064FB8EC7}"/>
-              </a:ext>
-            </a:extLst>
-          </p:cNvPr>
+            <a:endParaRPr/>
+          </a:p>
+        </p:txBody>
+      </p:sp>
+      <p:sp>
+        <p:nvSpPr>
+          <p:cNvPr id="4" name="Datumsplatzhalter 3"/>
           <p:cNvSpPr>
             <a:spLocks noGrp="1"/>
           </p:cNvSpPr>
@@ -2969,7 +2758,7 @@
             <p:ph type="dt" sz="half" idx="2"/>
           </p:nvPr>
         </p:nvSpPr>
-        <p:spPr>
+        <p:spPr bwMode="auto">
           <a:xfrm>
             <a:off x="838200" y="6356350"/>
             <a:ext cx="2743200" cy="365125"/>
@@ -2992,23 +2781,20 @@
             </a:lvl1pPr>
           </a:lstStyle>
           <a:p>
+            <a:pPr>
+              <a:defRPr/>
+            </a:pPr>
             <a:fld id="{8A6B4FB4-8FAD-4B59-AFF5-991D386B206E}" type="datetimeFigureOut">
-              <a:rPr lang="en-DE" smtClean="0"/>
-              <a:t>12/12/2021</a:t>
+              <a:rPr/>
+              <a:t/>
             </a:fld>
-            <a:endParaRPr lang="en-DE"/>
-          </a:p>
-        </p:txBody>
-      </p:sp>
-      <p:sp>
-        <p:nvSpPr>
-          <p:cNvPr id="5" name="Fußzeilenplatzhalter 4">
-            <a:extLst>
-              <a:ext uri="{FF2B5EF4-FFF2-40B4-BE49-F238E27FC236}">
-                <a16:creationId xmlns:a16="http://schemas.microsoft.com/office/drawing/2014/main" id="{D85C31C8-65F5-49C7-83F3-22A5359A13A9}"/>
-              </a:ext>
-            </a:extLst>
-          </p:cNvPr>
+            <a:endParaRPr/>
+          </a:p>
+        </p:txBody>
+      </p:sp>
+      <p:sp>
+        <p:nvSpPr>
+          <p:cNvPr id="5" name="Fußzeilenplatzhalter 4"/>
           <p:cNvSpPr>
             <a:spLocks noGrp="1"/>
           </p:cNvSpPr>
@@ -3016,7 +2802,7 @@
             <p:ph type="ftr" sz="quarter" idx="3"/>
           </p:nvPr>
         </p:nvSpPr>
-        <p:spPr>
+        <p:spPr bwMode="auto">
           <a:xfrm>
             <a:off x="4038600" y="6356350"/>
             <a:ext cx="4114800" cy="365125"/>
@@ -3039,19 +2825,16 @@
             </a:lvl1pPr>
           </a:lstStyle>
           <a:p>
-            <a:endParaRPr lang="en-DE"/>
-          </a:p>
-        </p:txBody>
-      </p:sp>
-      <p:sp>
-        <p:nvSpPr>
-          <p:cNvPr id="6" name="Foliennummernplatzhalter 5">
-            <a:extLst>
-              <a:ext uri="{FF2B5EF4-FFF2-40B4-BE49-F238E27FC236}">
-                <a16:creationId xmlns:a16="http://schemas.microsoft.com/office/drawing/2014/main" id="{C2DCA4C8-7AC9-4824-BA02-517E857E31A3}"/>
-              </a:ext>
-            </a:extLst>
-          </p:cNvPr>
+            <a:pPr>
+              <a:defRPr/>
+            </a:pPr>
+            <a:endParaRPr/>
+          </a:p>
+        </p:txBody>
+      </p:sp>
+      <p:sp>
+        <p:nvSpPr>
+          <p:cNvPr id="6" name="Foliennummernplatzhalter 5"/>
           <p:cNvSpPr>
             <a:spLocks noGrp="1"/>
           </p:cNvSpPr>
@@ -3059,7 +2842,7 @@
             <p:ph type="sldNum" sz="quarter" idx="4"/>
           </p:nvPr>
         </p:nvSpPr>
-        <p:spPr>
+        <p:spPr bwMode="auto">
           <a:xfrm>
             <a:off x="8610600" y="6356350"/>
             <a:ext cx="2743200" cy="365125"/>
@@ -3082,20 +2865,18 @@
             </a:lvl1pPr>
           </a:lstStyle>
           <a:p>
+            <a:pPr>
+              <a:defRPr/>
+            </a:pPr>
             <a:fld id="{B87CD8D1-6E26-474F-97AE-FDA0D9E18526}" type="slidenum">
-              <a:rPr lang="en-DE" smtClean="0"/>
-              <a:t>‹Nr.›</a:t>
+              <a:rPr/>
+              <a:t/>
             </a:fld>
-            <a:endParaRPr lang="en-DE"/>
+            <a:endParaRPr/>
           </a:p>
         </p:txBody>
       </p:sp>
     </p:spTree>
-    <p:extLst>
-      <p:ext uri="{BB962C8B-B14F-4D97-AF65-F5344CB8AC3E}">
-        <p14:creationId xmlns:p14="http://schemas.microsoft.com/office/powerpoint/2010/main" val="2073784047"/>
-      </p:ext>
-    </p:extLst>
   </p:cSld>
   <p:clrMap bg1="lt1" tx1="dk1" bg2="lt2" tx2="dk2" accent1="accent1" accent2="accent2" accent3="accent3" accent4="accent4" accent5="accent5" accent6="accent6" hlink="hlink" folHlink="folHlink"/>
   <p:sldLayoutIdLst>
@@ -3113,15 +2894,15 @@
   </p:sldLayoutIdLst>
   <p:txStyles>
     <p:titleStyle>
-      <a:lvl1pPr algn="l" defTabSz="914400" rtl="0" eaLnBrk="1" latinLnBrk="0" hangingPunct="1">
+      <a:lvl1pPr algn="l" defTabSz="914400">
         <a:lnSpc>
           <a:spcPct val="90000"/>
         </a:lnSpc>
         <a:spcBef>
-          <a:spcPct val="0"/>
+          <a:spcPts val="0"/>
         </a:spcBef>
         <a:buNone/>
-        <a:defRPr sz="4400" kern="1200">
+        <a:defRPr sz="4400">
           <a:solidFill>
             <a:schemeClr val="tx1"/>
           </a:solidFill>
@@ -3132,16 +2913,16 @@
       </a:lvl1pPr>
     </p:titleStyle>
     <p:bodyStyle>
-      <a:lvl1pPr marL="228600" indent="-228600" algn="l" defTabSz="914400" rtl="0" eaLnBrk="1" latinLnBrk="0" hangingPunct="1">
+      <a:lvl1pPr marL="228600" indent="-228600" algn="l" defTabSz="914400">
         <a:lnSpc>
           <a:spcPct val="90000"/>
         </a:lnSpc>
         <a:spcBef>
           <a:spcPts val="1000"/>
         </a:spcBef>
-        <a:buFont typeface="Arial" panose="020B0604020202020204" pitchFamily="34" charset="0"/>
+        <a:buFont typeface="Arial"/>
         <a:buChar char="•"/>
-        <a:defRPr sz="2800" kern="1200">
+        <a:defRPr sz="2800">
           <a:solidFill>
             <a:schemeClr val="tx1"/>
           </a:solidFill>
@@ -3150,16 +2931,16 @@
           <a:cs typeface="+mn-cs"/>
         </a:defRPr>
       </a:lvl1pPr>
-      <a:lvl2pPr marL="685800" indent="-228600" algn="l" defTabSz="914400" rtl="0" eaLnBrk="1" latinLnBrk="0" hangingPunct="1">
+      <a:lvl2pPr marL="685800" indent="-228600" algn="l" defTabSz="914400">
         <a:lnSpc>
           <a:spcPct val="90000"/>
         </a:lnSpc>
         <a:spcBef>
           <a:spcPts val="500"/>
         </a:spcBef>
-        <a:buFont typeface="Arial" panose="020B0604020202020204" pitchFamily="34" charset="0"/>
+        <a:buFont typeface="Arial"/>
         <a:buChar char="•"/>
-        <a:defRPr sz="2400" kern="1200">
+        <a:defRPr sz="2400">
           <a:solidFill>
             <a:schemeClr val="tx1"/>
           </a:solidFill>
@@ -3168,16 +2949,16 @@
           <a:cs typeface="+mn-cs"/>
         </a:defRPr>
       </a:lvl2pPr>
-      <a:lvl3pPr marL="1143000" indent="-228600" algn="l" defTabSz="914400" rtl="0" eaLnBrk="1" latinLnBrk="0" hangingPunct="1">
+      <a:lvl3pPr marL="1143000" indent="-228600" algn="l" defTabSz="914400">
         <a:lnSpc>
           <a:spcPct val="90000"/>
         </a:lnSpc>
         <a:spcBef>
           <a:spcPts val="500"/>
         </a:spcBef>
-        <a:buFont typeface="Arial" panose="020B0604020202020204" pitchFamily="34" charset="0"/>
+        <a:buFont typeface="Arial"/>
         <a:buChar char="•"/>
-        <a:defRPr sz="2000" kern="1200">
+        <a:defRPr sz="2000">
           <a:solidFill>
             <a:schemeClr val="tx1"/>
           </a:solidFill>
@@ -3186,16 +2967,16 @@
           <a:cs typeface="+mn-cs"/>
         </a:defRPr>
       </a:lvl3pPr>
-      <a:lvl4pPr marL="1600200" indent="-228600" algn="l" defTabSz="914400" rtl="0" eaLnBrk="1" latinLnBrk="0" hangingPunct="1">
+      <a:lvl4pPr marL="1600200" indent="-228600" algn="l" defTabSz="914400">
         <a:lnSpc>
           <a:spcPct val="90000"/>
         </a:lnSpc>
         <a:spcBef>
           <a:spcPts val="500"/>
         </a:spcBef>
-        <a:buFont typeface="Arial" panose="020B0604020202020204" pitchFamily="34" charset="0"/>
+        <a:buFont typeface="Arial"/>
         <a:buChar char="•"/>
-        <a:defRPr sz="1800" kern="1200">
+        <a:defRPr sz="1800">
           <a:solidFill>
             <a:schemeClr val="tx1"/>
           </a:solidFill>
@@ -3204,16 +2985,16 @@
           <a:cs typeface="+mn-cs"/>
         </a:defRPr>
       </a:lvl4pPr>
-      <a:lvl5pPr marL="2057400" indent="-228600" algn="l" defTabSz="914400" rtl="0" eaLnBrk="1" latinLnBrk="0" hangingPunct="1">
+      <a:lvl5pPr marL="2057400" indent="-228600" algn="l" defTabSz="914400">
         <a:lnSpc>
           <a:spcPct val="90000"/>
         </a:lnSpc>
         <a:spcBef>
           <a:spcPts val="500"/>
         </a:spcBef>
-        <a:buFont typeface="Arial" panose="020B0604020202020204" pitchFamily="34" charset="0"/>
+        <a:buFont typeface="Arial"/>
         <a:buChar char="•"/>
-        <a:defRPr sz="1800" kern="1200">
+        <a:defRPr sz="1800">
           <a:solidFill>
             <a:schemeClr val="tx1"/>
           </a:solidFill>
@@ -3222,16 +3003,16 @@
           <a:cs typeface="+mn-cs"/>
         </a:defRPr>
       </a:lvl5pPr>
-      <a:lvl6pPr marL="2514600" indent="-228600" algn="l" defTabSz="914400" rtl="0" eaLnBrk="1" latinLnBrk="0" hangingPunct="1">
+      <a:lvl6pPr marL="2514600" indent="-228600" algn="l" defTabSz="914400">
         <a:lnSpc>
           <a:spcPct val="90000"/>
         </a:lnSpc>
         <a:spcBef>
           <a:spcPts val="500"/>
         </a:spcBef>
-        <a:buFont typeface="Arial" panose="020B0604020202020204" pitchFamily="34" charset="0"/>
+        <a:buFont typeface="Arial"/>
         <a:buChar char="•"/>
-        <a:defRPr sz="1800" kern="1200">
+        <a:defRPr sz="1800">
           <a:solidFill>
             <a:schemeClr val="tx1"/>
           </a:solidFill>
@@ -3240,16 +3021,16 @@
           <a:cs typeface="+mn-cs"/>
         </a:defRPr>
       </a:lvl6pPr>
-      <a:lvl7pPr marL="2971800" indent="-228600" algn="l" defTabSz="914400" rtl="0" eaLnBrk="1" latinLnBrk="0" hangingPunct="1">
+      <a:lvl7pPr marL="2971800" indent="-228600" algn="l" defTabSz="914400">
         <a:lnSpc>
           <a:spcPct val="90000"/>
         </a:lnSpc>
         <a:spcBef>
           <a:spcPts val="500"/>
         </a:spcBef>
-        <a:buFont typeface="Arial" panose="020B0604020202020204" pitchFamily="34" charset="0"/>
+        <a:buFont typeface="Arial"/>
         <a:buChar char="•"/>
-        <a:defRPr sz="1800" kern="1200">
+        <a:defRPr sz="1800">
           <a:solidFill>
             <a:schemeClr val="tx1"/>
           </a:solidFill>
@@ -3258,16 +3039,16 @@
           <a:cs typeface="+mn-cs"/>
         </a:defRPr>
       </a:lvl7pPr>
-      <a:lvl8pPr marL="3429000" indent="-228600" algn="l" defTabSz="914400" rtl="0" eaLnBrk="1" latinLnBrk="0" hangingPunct="1">
+      <a:lvl8pPr marL="3429000" indent="-228600" algn="l" defTabSz="914400">
         <a:lnSpc>
           <a:spcPct val="90000"/>
         </a:lnSpc>
         <a:spcBef>
           <a:spcPts val="500"/>
         </a:spcBef>
-        <a:buFont typeface="Arial" panose="020B0604020202020204" pitchFamily="34" charset="0"/>
+        <a:buFont typeface="Arial"/>
         <a:buChar char="•"/>
-        <a:defRPr sz="1800" kern="1200">
+        <a:defRPr sz="1800">
           <a:solidFill>
             <a:schemeClr val="tx1"/>
           </a:solidFill>
@@ -3276,16 +3057,16 @@
           <a:cs typeface="+mn-cs"/>
         </a:defRPr>
       </a:lvl8pPr>
-      <a:lvl9pPr marL="3886200" indent="-228600" algn="l" defTabSz="914400" rtl="0" eaLnBrk="1" latinLnBrk="0" hangingPunct="1">
+      <a:lvl9pPr marL="3886200" indent="-228600" algn="l" defTabSz="914400">
         <a:lnSpc>
           <a:spcPct val="90000"/>
         </a:lnSpc>
         <a:spcBef>
           <a:spcPts val="500"/>
         </a:spcBef>
-        <a:buFont typeface="Arial" panose="020B0604020202020204" pitchFamily="34" charset="0"/>
+        <a:buFont typeface="Arial"/>
         <a:buChar char="•"/>
-        <a:defRPr sz="1800" kern="1200">
+        <a:defRPr sz="1800">
           <a:solidFill>
             <a:schemeClr val="tx1"/>
           </a:solidFill>
@@ -3297,10 +3078,10 @@
     </p:bodyStyle>
     <p:otherStyle>
       <a:defPPr>
-        <a:defRPr lang="en-DE"/>
+        <a:defRPr/>
       </a:defPPr>
-      <a:lvl1pPr marL="0" algn="l" defTabSz="914400" rtl="0" eaLnBrk="1" latinLnBrk="0" hangingPunct="1">
-        <a:defRPr sz="1800" kern="1200">
+      <a:lvl1pPr marL="0" algn="l" defTabSz="914400">
+        <a:defRPr sz="1800">
           <a:solidFill>
             <a:schemeClr val="tx1"/>
           </a:solidFill>
@@ -3309,8 +3090,8 @@
           <a:cs typeface="+mn-cs"/>
         </a:defRPr>
       </a:lvl1pPr>
-      <a:lvl2pPr marL="457200" algn="l" defTabSz="914400" rtl="0" eaLnBrk="1" latinLnBrk="0" hangingPunct="1">
-        <a:defRPr sz="1800" kern="1200">
+      <a:lvl2pPr marL="457200" algn="l" defTabSz="914400">
+        <a:defRPr sz="1800">
           <a:solidFill>
             <a:schemeClr val="tx1"/>
           </a:solidFill>
@@ -3319,8 +3100,8 @@
           <a:cs typeface="+mn-cs"/>
         </a:defRPr>
       </a:lvl2pPr>
-      <a:lvl3pPr marL="914400" algn="l" defTabSz="914400" rtl="0" eaLnBrk="1" latinLnBrk="0" hangingPunct="1">
-        <a:defRPr sz="1800" kern="1200">
+      <a:lvl3pPr marL="914400" algn="l" defTabSz="914400">
+        <a:defRPr sz="1800">
           <a:solidFill>
             <a:schemeClr val="tx1"/>
           </a:solidFill>
@@ -3329,8 +3110,8 @@
           <a:cs typeface="+mn-cs"/>
         </a:defRPr>
       </a:lvl3pPr>
-      <a:lvl4pPr marL="1371600" algn="l" defTabSz="914400" rtl="0" eaLnBrk="1" latinLnBrk="0" hangingPunct="1">
-        <a:defRPr sz="1800" kern="1200">
+      <a:lvl4pPr marL="1371600" algn="l" defTabSz="914400">
+        <a:defRPr sz="1800">
           <a:solidFill>
             <a:schemeClr val="tx1"/>
           </a:solidFill>
@@ -3339,8 +3120,8 @@
           <a:cs typeface="+mn-cs"/>
         </a:defRPr>
       </a:lvl4pPr>
-      <a:lvl5pPr marL="1828800" algn="l" defTabSz="914400" rtl="0" eaLnBrk="1" latinLnBrk="0" hangingPunct="1">
-        <a:defRPr sz="1800" kern="1200">
+      <a:lvl5pPr marL="1828800" algn="l" defTabSz="914400">
+        <a:defRPr sz="1800">
           <a:solidFill>
             <a:schemeClr val="tx1"/>
           </a:solidFill>
@@ -3349,8 +3130,8 @@
           <a:cs typeface="+mn-cs"/>
         </a:defRPr>
       </a:lvl5pPr>
-      <a:lvl6pPr marL="2286000" algn="l" defTabSz="914400" rtl="0" eaLnBrk="1" latinLnBrk="0" hangingPunct="1">
-        <a:defRPr sz="1800" kern="1200">
+      <a:lvl6pPr marL="2286000" algn="l" defTabSz="914400">
+        <a:defRPr sz="1800">
           <a:solidFill>
             <a:schemeClr val="tx1"/>
           </a:solidFill>
@@ -3359,8 +3140,8 @@
           <a:cs typeface="+mn-cs"/>
         </a:defRPr>
       </a:lvl6pPr>
-      <a:lvl7pPr marL="2743200" algn="l" defTabSz="914400" rtl="0" eaLnBrk="1" latinLnBrk="0" hangingPunct="1">
-        <a:defRPr sz="1800" kern="1200">
+      <a:lvl7pPr marL="2743200" algn="l" defTabSz="914400">
+        <a:defRPr sz="1800">
           <a:solidFill>
             <a:schemeClr val="tx1"/>
           </a:solidFill>
@@ -3369,8 +3150,8 @@
           <a:cs typeface="+mn-cs"/>
         </a:defRPr>
       </a:lvl7pPr>
-      <a:lvl8pPr marL="3200400" algn="l" defTabSz="914400" rtl="0" eaLnBrk="1" latinLnBrk="0" hangingPunct="1">
-        <a:defRPr sz="1800" kern="1200">
+      <a:lvl8pPr marL="3200400" algn="l" defTabSz="914400">
+        <a:defRPr sz="1800">
           <a:solidFill>
             <a:schemeClr val="tx1"/>
           </a:solidFill>
@@ -3379,8 +3160,8 @@
           <a:cs typeface="+mn-cs"/>
         </a:defRPr>
       </a:lvl8pPr>
-      <a:lvl9pPr marL="3657600" algn="l" defTabSz="914400" rtl="0" eaLnBrk="1" latinLnBrk="0" hangingPunct="1">
-        <a:defRPr sz="1800" kern="1200">
+      <a:lvl9pPr marL="3657600" algn="l" defTabSz="914400">
+        <a:defRPr sz="1800">
           <a:solidFill>
             <a:schemeClr val="tx1"/>
           </a:solidFill>
@@ -3395,15 +3176,15 @@
 </file>
 
 <file path=ppt/slides/slide1.xml><?xml version="1.0" encoding="utf-8"?>
-<p:sld xmlns:a="http://schemas.openxmlformats.org/drawingml/2006/main" xmlns:r="http://schemas.openxmlformats.org/officeDocument/2006/relationships" xmlns:p="http://schemas.openxmlformats.org/presentationml/2006/main">
-  <p:cSld>
+<p:sld xmlns:a="http://schemas.openxmlformats.org/drawingml/2006/main" xmlns:r="http://schemas.openxmlformats.org/officeDocument/2006/relationships" xmlns:p="http://schemas.openxmlformats.org/presentationml/2006/main" xmlns:m="http://schemas.openxmlformats.org/officeDocument/2006/math" xmlns:w="http://schemas.openxmlformats.org/wordprocessingml/2006/main" showMasterPhAnim="0" show="1">
+  <p:cSld name="">
     <p:spTree>
       <p:nvGrpSpPr>
         <p:cNvPr id="1" name=""/>
         <p:cNvGrpSpPr/>
         <p:nvPr/>
       </p:nvGrpSpPr>
-      <p:grpSpPr>
+      <p:grpSpPr bwMode="auto">
         <a:xfrm>
           <a:off x="0" y="0"/>
           <a:ext cx="0" cy="0"/>
@@ -3413,19 +3194,13 @@
       </p:grpSpPr>
       <p:sp>
         <p:nvSpPr>
-          <p:cNvPr id="4" name="Rechteck 3">
-            <a:extLst>
-              <a:ext uri="{FF2B5EF4-FFF2-40B4-BE49-F238E27FC236}">
-                <a16:creationId xmlns:a16="http://schemas.microsoft.com/office/drawing/2014/main" id="{8156F215-964B-48C7-8DEA-06D5A8116240}"/>
-              </a:ext>
-            </a:extLst>
-          </p:cNvPr>
+          <p:cNvPr id="4" name="Rechteck 3"/>
           <p:cNvSpPr/>
           <p:nvPr/>
         </p:nvSpPr>
-        <p:spPr>
+        <p:spPr bwMode="auto">
           <a:xfrm>
-            <a:off x="6597272" y="2804015"/>
+            <a:off x="7960468" y="2795930"/>
             <a:ext cx="1419498" cy="966652"/>
           </a:xfrm>
           <a:prstGeom prst="rect">
@@ -3462,30 +3237,26 @@
           <a:bodyPr rtlCol="0" anchor="ctr"/>
           <a:lstStyle/>
           <a:p>
-            <a:pPr algn="ctr"/>
-            <a:r>
-              <a:rPr lang="de-DE" dirty="0"/>
+            <a:pPr algn="ctr">
+              <a:defRPr/>
+            </a:pPr>
+            <a:r>
+              <a:rPr lang="de-DE"/>
               <a:t>Mindstorms EV3 Brick</a:t>
             </a:r>
-            <a:endParaRPr lang="en-DE" dirty="0"/>
-          </a:p>
-        </p:txBody>
-      </p:sp>
-      <p:sp>
-        <p:nvSpPr>
-          <p:cNvPr id="5" name="Ellipse 4">
-            <a:extLst>
-              <a:ext uri="{FF2B5EF4-FFF2-40B4-BE49-F238E27FC236}">
-                <a16:creationId xmlns:a16="http://schemas.microsoft.com/office/drawing/2014/main" id="{1F09F748-5DCA-4CC5-9CF5-FE0C71449BA7}"/>
-              </a:ext>
-            </a:extLst>
-          </p:cNvPr>
+            <a:endParaRPr/>
+          </a:p>
+        </p:txBody>
+      </p:sp>
+      <p:sp>
+        <p:nvSpPr>
+          <p:cNvPr id="5" name="Ellipse 4"/>
           <p:cNvSpPr/>
           <p:nvPr/>
         </p:nvSpPr>
-        <p:spPr>
+        <p:spPr bwMode="auto">
           <a:xfrm>
-            <a:off x="9499097" y="1922615"/>
+            <a:off x="10429338" y="1827939"/>
             <a:ext cx="942505" cy="942505"/>
           </a:xfrm>
           <a:prstGeom prst="ellipse">
@@ -3520,30 +3291,26 @@
           <a:bodyPr rtlCol="0" anchor="ctr"/>
           <a:lstStyle/>
           <a:p>
-            <a:pPr algn="ctr"/>
-            <a:r>
-              <a:rPr lang="de-DE" sz="1400" dirty="0"/>
+            <a:pPr algn="ctr">
+              <a:defRPr/>
+            </a:pPr>
+            <a:r>
+              <a:rPr lang="de-DE" sz="1400"/>
               <a:t>Motor</a:t>
             </a:r>
-            <a:endParaRPr lang="en-DE" sz="1400" dirty="0"/>
-          </a:p>
-        </p:txBody>
-      </p:sp>
-      <p:sp>
-        <p:nvSpPr>
-          <p:cNvPr id="7" name="Ellipse 6">
-            <a:extLst>
-              <a:ext uri="{FF2B5EF4-FFF2-40B4-BE49-F238E27FC236}">
-                <a16:creationId xmlns:a16="http://schemas.microsoft.com/office/drawing/2014/main" id="{FF9BA8E3-62AA-443F-8E08-5E495F681313}"/>
-              </a:ext>
-            </a:extLst>
-          </p:cNvPr>
+            <a:endParaRPr sz="1400"/>
+          </a:p>
+        </p:txBody>
+      </p:sp>
+      <p:sp>
+        <p:nvSpPr>
+          <p:cNvPr id="7" name="Ellipse 6"/>
           <p:cNvSpPr/>
           <p:nvPr/>
         </p:nvSpPr>
-        <p:spPr>
+        <p:spPr bwMode="auto">
           <a:xfrm>
-            <a:off x="9499097" y="3831772"/>
+            <a:off x="10429338" y="3737097"/>
             <a:ext cx="942505" cy="942505"/>
           </a:xfrm>
           <a:prstGeom prst="ellipse">
@@ -3578,24 +3345,20 @@
           <a:bodyPr rtlCol="0" anchor="ctr"/>
           <a:lstStyle/>
           <a:p>
-            <a:pPr algn="ctr"/>
-            <a:r>
-              <a:rPr lang="de-DE" sz="1400" dirty="0"/>
+            <a:pPr algn="ctr">
+              <a:defRPr/>
+            </a:pPr>
+            <a:r>
+              <a:rPr lang="de-DE" sz="1400"/>
               <a:t>Motor</a:t>
             </a:r>
-            <a:endParaRPr lang="en-DE" sz="1400" dirty="0"/>
+            <a:endParaRPr sz="1400"/>
           </a:p>
         </p:txBody>
       </p:sp>
       <p:cxnSp>
         <p:nvCxnSpPr>
-          <p:cNvPr id="9" name="Verbinder: gekrümmt 8">
-            <a:extLst>
-              <a:ext uri="{FF2B5EF4-FFF2-40B4-BE49-F238E27FC236}">
-                <a16:creationId xmlns:a16="http://schemas.microsoft.com/office/drawing/2014/main" id="{982CB936-15FF-4F3B-8F61-A7E3857F12BA}"/>
-              </a:ext>
-            </a:extLst>
-          </p:cNvPr>
+          <p:cNvPr id="9" name="Verbinder: gekrümmt 8"/>
           <p:cNvCxnSpPr>
             <a:cxnSpLocks/>
             <a:stCxn id="5" idx="4"/>
@@ -3603,10 +3366,10 @@
           </p:cNvCxnSpPr>
           <p:nvPr/>
         </p:nvCxnSpPr>
-        <p:spPr>
-          <a:xfrm rot="5400000">
-            <a:off x="8782450" y="2099440"/>
-            <a:ext cx="422221" cy="1953580"/>
+        <p:spPr bwMode="auto">
+          <a:xfrm rot="5399978" flipH="0" flipV="0">
+            <a:off x="9885873" y="2264538"/>
+            <a:ext cx="508811" cy="1520624"/>
           </a:xfrm>
           <a:prstGeom prst="bentConnector2">
             <a:avLst/>
@@ -3633,13 +3396,7 @@
       </p:cxnSp>
       <p:cxnSp>
         <p:nvCxnSpPr>
-          <p:cNvPr id="11" name="Verbinder: gekrümmt 10">
-            <a:extLst>
-              <a:ext uri="{FF2B5EF4-FFF2-40B4-BE49-F238E27FC236}">
-                <a16:creationId xmlns:a16="http://schemas.microsoft.com/office/drawing/2014/main" id="{A42D25D3-D726-4F5E-B087-329797A46BA3}"/>
-              </a:ext>
-            </a:extLst>
-          </p:cNvPr>
+          <p:cNvPr id="11" name="Verbinder: gekrümmt 10"/>
           <p:cNvCxnSpPr>
             <a:cxnSpLocks/>
             <a:stCxn id="7" idx="0"/>
@@ -3647,10 +3404,10 @@
           </p:cNvCxnSpPr>
           <p:nvPr/>
         </p:nvCxnSpPr>
-        <p:spPr>
-          <a:xfrm rot="16200000" flipV="1">
-            <a:off x="8721345" y="2582767"/>
-            <a:ext cx="544431" cy="1953580"/>
+        <p:spPr bwMode="auto">
+          <a:xfrm rot="16199969" flipH="0" flipV="1">
+            <a:off x="9911359" y="2747864"/>
+            <a:ext cx="457840" cy="1520624"/>
           </a:xfrm>
           <a:prstGeom prst="bentConnector2">
             <a:avLst/>
@@ -3678,19 +3435,13 @@
       </p:cxnSp>
       <p:sp>
         <p:nvSpPr>
-          <p:cNvPr id="15" name="Textfeld 14">
-            <a:extLst>
-              <a:ext uri="{FF2B5EF4-FFF2-40B4-BE49-F238E27FC236}">
-                <a16:creationId xmlns:a16="http://schemas.microsoft.com/office/drawing/2014/main" id="{C5AD9328-66E8-43D6-A272-C804650269BD}"/>
-              </a:ext>
-            </a:extLst>
-          </p:cNvPr>
+          <p:cNvPr id="15" name="Textfeld 14"/>
           <p:cNvSpPr txBox="1"/>
           <p:nvPr/>
         </p:nvSpPr>
-        <p:spPr>
+        <p:spPr bwMode="auto">
           <a:xfrm>
-            <a:off x="8253870" y="2975362"/>
+            <a:off x="9400589" y="2967277"/>
             <a:ext cx="1479379" cy="307777"/>
           </a:xfrm>
           <a:prstGeom prst="rect">
@@ -3704,29 +3455,26 @@
           </a:bodyPr>
           <a:lstStyle/>
           <a:p>
-            <a:r>
-              <a:rPr lang="de-DE" sz="1400" dirty="0"/>
+            <a:pPr>
+              <a:defRPr/>
+            </a:pPr>
+            <a:r>
+              <a:rPr lang="de-DE" sz="1400"/>
               <a:t>ist verbunden mit</a:t>
             </a:r>
-            <a:endParaRPr lang="en-DE" sz="1400" dirty="0"/>
-          </a:p>
-        </p:txBody>
-      </p:sp>
-      <p:sp>
-        <p:nvSpPr>
-          <p:cNvPr id="16" name="Rechteck 15">
-            <a:extLst>
-              <a:ext uri="{FF2B5EF4-FFF2-40B4-BE49-F238E27FC236}">
-                <a16:creationId xmlns:a16="http://schemas.microsoft.com/office/drawing/2014/main" id="{2E2AFE88-92FA-487F-AF27-A893AF85EF26}"/>
-              </a:ext>
-            </a:extLst>
-          </p:cNvPr>
+            <a:endParaRPr sz="1400"/>
+          </a:p>
+        </p:txBody>
+      </p:sp>
+      <p:sp>
+        <p:nvSpPr>
+          <p:cNvPr id="16" name="Rechteck 15"/>
           <p:cNvSpPr/>
           <p:nvPr/>
         </p:nvSpPr>
-        <p:spPr>
+        <p:spPr bwMode="auto">
           <a:xfrm>
-            <a:off x="4013233" y="3072348"/>
+            <a:off x="5279776" y="3068145"/>
             <a:ext cx="1506584" cy="429986"/>
           </a:xfrm>
           <a:prstGeom prst="rect">
@@ -3753,31 +3501,27 @@
           <a:bodyPr rtlCol="0" anchor="ctr"/>
           <a:lstStyle/>
           <a:p>
-            <a:pPr algn="ctr"/>
-            <a:r>
-              <a:rPr lang="de-DE" dirty="0"/>
+            <a:pPr algn="ctr">
+              <a:defRPr/>
+            </a:pPr>
+            <a:r>
+              <a:rPr lang="de-DE"/>
               <a:t>Raspberry Pi</a:t>
             </a:r>
-            <a:endParaRPr lang="en-DE" dirty="0"/>
-          </a:p>
-        </p:txBody>
-      </p:sp>
-      <p:sp>
-        <p:nvSpPr>
-          <p:cNvPr id="20" name="Textfeld 19">
-            <a:extLst>
-              <a:ext uri="{FF2B5EF4-FFF2-40B4-BE49-F238E27FC236}">
-                <a16:creationId xmlns:a16="http://schemas.microsoft.com/office/drawing/2014/main" id="{674F974F-9C2F-4B67-A5B3-AAED0FB4DECF}"/>
-              </a:ext>
-            </a:extLst>
-          </p:cNvPr>
+            <a:endParaRPr/>
+          </a:p>
+        </p:txBody>
+      </p:sp>
+      <p:sp>
+        <p:nvSpPr>
+          <p:cNvPr id="20" name="Textfeld 19"/>
           <p:cNvSpPr txBox="1"/>
           <p:nvPr/>
         </p:nvSpPr>
-        <p:spPr>
-          <a:xfrm>
-            <a:off x="5594729" y="2551041"/>
-            <a:ext cx="722955" cy="307777"/>
+        <p:spPr bwMode="auto">
+          <a:xfrm flipH="0" flipV="0">
+            <a:off x="6786360" y="2543498"/>
+            <a:ext cx="1270832" cy="731555"/>
           </a:xfrm>
           <a:prstGeom prst="rect">
             <a:avLst/>
@@ -3785,47 +3529,58 @@
           <a:noFill/>
         </p:spPr>
         <p:txBody>
-          <a:bodyPr wrap="none" rtlCol="0">
+          <a:bodyPr wrap="square" rtlCol="0">
             <a:spAutoFit/>
           </a:bodyPr>
           <a:lstStyle/>
           <a:p>
-            <a:r>
-              <a:rPr lang="de-DE" sz="1400" dirty="0"/>
-              <a:t>Steuert</a:t>
-            </a:r>
-            <a:endParaRPr lang="en-DE" sz="1400" dirty="0"/>
+            <a:pPr algn="ctr">
+              <a:defRPr/>
+            </a:pPr>
+            <a:r>
+              <a:rPr lang="de-DE" sz="1400"/>
+              <a:t>Netzwerk</a:t>
+            </a:r>
+            <a:endParaRPr lang="de-DE" sz="1400"/>
+          </a:p>
+          <a:p>
+            <a:pPr algn="ctr">
+              <a:defRPr/>
+            </a:pPr>
+            <a:r>
+              <a:rPr lang="de-DE" sz="1400"/>
+              <a:t>-verbindung über USB</a:t>
+            </a:r>
+            <a:endParaRPr lang="de-DE" sz="1400"/>
           </a:p>
         </p:txBody>
       </p:sp>
       <p:cxnSp>
         <p:nvCxnSpPr>
-          <p:cNvPr id="46" name="Verbinder: gewinkelt 45">
-            <a:extLst>
-              <a:ext uri="{FF2B5EF4-FFF2-40B4-BE49-F238E27FC236}">
-                <a16:creationId xmlns:a16="http://schemas.microsoft.com/office/drawing/2014/main" id="{43315EA5-7E36-4B41-B7CD-06135EB5492C}"/>
-              </a:ext>
-            </a:extLst>
-          </p:cNvPr>
+          <p:cNvPr id="46" name="Verbinder: gewinkelt 45"/>
           <p:cNvCxnSpPr>
             <a:cxnSpLocks/>
-            <a:stCxn id="16" idx="0"/>
-            <a:endCxn id="4" idx="0"/>
+            <a:stCxn id="16" idx="3"/>
+            <a:endCxn id="4" idx="1"/>
           </p:cNvCxnSpPr>
           <p:nvPr/>
         </p:nvCxnSpPr>
-        <p:spPr>
-          <a:xfrm rot="5400000" flipH="1" flipV="1">
-            <a:off x="5902607" y="1667934"/>
-            <a:ext cx="268333" cy="2540496"/>
+        <p:spPr bwMode="auto">
+          <a:xfrm rot="0" flipH="0" flipV="1">
+            <a:off x="6786360" y="3281197"/>
+            <a:ext cx="1174107" cy="0"/>
           </a:xfrm>
           <a:prstGeom prst="bentConnector3">
             <a:avLst>
-              <a:gd name="adj1" fmla="val 185193"/>
+              <a:gd name="adj1" fmla="val 50000"/>
             </a:avLst>
           </a:prstGeom>
-          <a:ln w="38100">
-            <a:tailEnd type="triangle"/>
+          <a:ln w="38100" cap="flat" cmpd="sng" algn="ctr">
+            <a:solidFill>
+              <a:srgbClr val="000000"/>
+            </a:solidFill>
+            <a:prstDash val="sysDot"/>
+            <a:tailEnd type="none"/>
           </a:ln>
         </p:spPr>
         <p:style>
@@ -3845,13 +3600,7 @@
       </p:cxnSp>
       <p:cxnSp>
         <p:nvCxnSpPr>
-          <p:cNvPr id="48" name="Verbinder: gewinkelt 47">
-            <a:extLst>
-              <a:ext uri="{FF2B5EF4-FFF2-40B4-BE49-F238E27FC236}">
-                <a16:creationId xmlns:a16="http://schemas.microsoft.com/office/drawing/2014/main" id="{0251D3D3-464C-4E27-A7EE-F5285F13858E}"/>
-              </a:ext>
-            </a:extLst>
-          </p:cNvPr>
+          <p:cNvPr id="48" name="Verbinder: gewinkelt 47"/>
           <p:cNvCxnSpPr>
             <a:cxnSpLocks/>
             <a:stCxn id="16" idx="2"/>
@@ -3859,14 +3608,14 @@
           </p:cNvCxnSpPr>
           <p:nvPr/>
         </p:nvCxnSpPr>
-        <p:spPr>
-          <a:xfrm rot="16200000" flipH="1">
-            <a:off x="5902607" y="2366252"/>
-            <a:ext cx="268333" cy="2540496"/>
+        <p:spPr bwMode="auto">
+          <a:xfrm rot="5399978" flipH="0" flipV="1">
+            <a:off x="7219417" y="2311782"/>
+            <a:ext cx="264450" cy="2637148"/>
           </a:xfrm>
           <a:prstGeom prst="bentConnector3">
             <a:avLst>
-              <a:gd name="adj1" fmla="val 185193"/>
+              <a:gd name="adj1" fmla="val 186443"/>
             </a:avLst>
           </a:prstGeom>
           <a:ln w="38100">
@@ -3891,19 +3640,13 @@
       </p:cxnSp>
       <p:sp>
         <p:nvSpPr>
-          <p:cNvPr id="52" name="Textfeld 51">
-            <a:extLst>
-              <a:ext uri="{FF2B5EF4-FFF2-40B4-BE49-F238E27FC236}">
-                <a16:creationId xmlns:a16="http://schemas.microsoft.com/office/drawing/2014/main" id="{0BC0624E-2D71-46D3-A87A-D0B70ADE4979}"/>
-              </a:ext>
-            </a:extLst>
-          </p:cNvPr>
+          <p:cNvPr id="52" name="Textfeld 51"/>
           <p:cNvSpPr txBox="1"/>
           <p:nvPr/>
         </p:nvSpPr>
-        <p:spPr>
+        <p:spPr bwMode="auto">
           <a:xfrm>
-            <a:off x="5243375" y="3700505"/>
+            <a:off x="6606571" y="3692420"/>
             <a:ext cx="1353897" cy="307777"/>
           </a:xfrm>
           <a:prstGeom prst="rect">
@@ -3917,29 +3660,26 @@
           </a:bodyPr>
           <a:lstStyle/>
           <a:p>
-            <a:r>
-              <a:rPr lang="de-DE" sz="1400" dirty="0"/>
+            <a:pPr>
+              <a:defRPr/>
+            </a:pPr>
+            <a:r>
+              <a:rPr lang="de-DE" sz="1400"/>
               <a:t>Liefert Strom an</a:t>
             </a:r>
-            <a:endParaRPr lang="en-DE" sz="1400" dirty="0"/>
-          </a:p>
-        </p:txBody>
-      </p:sp>
-      <p:sp>
-        <p:nvSpPr>
-          <p:cNvPr id="60" name="Flussdiagramm: Alternativer Prozess 59">
-            <a:extLst>
-              <a:ext uri="{FF2B5EF4-FFF2-40B4-BE49-F238E27FC236}">
-                <a16:creationId xmlns:a16="http://schemas.microsoft.com/office/drawing/2014/main" id="{C0614D0A-73E2-4EE4-8D88-FD640748C79A}"/>
-              </a:ext>
-            </a:extLst>
-          </p:cNvPr>
+            <a:endParaRPr sz="1400"/>
+          </a:p>
+        </p:txBody>
+      </p:sp>
+      <p:sp>
+        <p:nvSpPr>
+          <p:cNvPr id="60" name="Flussdiagramm: Alternativer Prozess 59"/>
           <p:cNvSpPr/>
           <p:nvPr/>
         </p:nvSpPr>
-        <p:spPr>
+        <p:spPr bwMode="auto">
           <a:xfrm>
-            <a:off x="1488125" y="3068146"/>
+            <a:off x="237968" y="3068145"/>
             <a:ext cx="1276632" cy="429986"/>
           </a:xfrm>
           <a:prstGeom prst="flowChartAlternateProcess">
@@ -3966,35 +3706,31 @@
           <a:bodyPr rtlCol="0" anchor="ctr"/>
           <a:lstStyle/>
           <a:p>
-            <a:pPr algn="ctr"/>
-            <a:r>
-              <a:rPr lang="de-DE" dirty="0"/>
+            <a:pPr algn="ctr">
+              <a:defRPr/>
+            </a:pPr>
+            <a:r>
+              <a:rPr lang="de-DE"/>
               <a:t>Programm</a:t>
             </a:r>
-            <a:endParaRPr lang="en-DE" dirty="0"/>
+            <a:endParaRPr/>
           </a:p>
         </p:txBody>
       </p:sp>
       <p:cxnSp>
         <p:nvCxnSpPr>
-          <p:cNvPr id="62" name="Gerade Verbindung mit Pfeil 61">
-            <a:extLst>
-              <a:ext uri="{FF2B5EF4-FFF2-40B4-BE49-F238E27FC236}">
-                <a16:creationId xmlns:a16="http://schemas.microsoft.com/office/drawing/2014/main" id="{BAEEBB33-CD5C-4816-BD5A-9EE2BE92F812}"/>
-              </a:ext>
-            </a:extLst>
-          </p:cNvPr>
+          <p:cNvPr id="62" name="Gerade Verbindung mit Pfeil 61"/>
           <p:cNvCxnSpPr>
             <a:cxnSpLocks/>
             <a:stCxn id="60" idx="3"/>
-            <a:endCxn id="16" idx="1"/>
+            <a:endCxn id="1590420840" idx="1"/>
           </p:cNvCxnSpPr>
           <p:nvPr/>
         </p:nvCxnSpPr>
-        <p:spPr>
-          <a:xfrm>
-            <a:off x="2764757" y="3283139"/>
-            <a:ext cx="1248476" cy="4202"/>
+        <p:spPr bwMode="auto">
+          <a:xfrm rot="0" flipH="0" flipV="0">
+            <a:off x="1514600" y="3283138"/>
+            <a:ext cx="1003417" cy="0"/>
           </a:xfrm>
           <a:prstGeom prst="straightConnector1">
             <a:avLst/>
@@ -4020,19 +3756,13 @@
       </p:cxnSp>
       <p:sp>
         <p:nvSpPr>
-          <p:cNvPr id="67" name="Textfeld 66">
-            <a:extLst>
-              <a:ext uri="{FF2B5EF4-FFF2-40B4-BE49-F238E27FC236}">
-                <a16:creationId xmlns:a16="http://schemas.microsoft.com/office/drawing/2014/main" id="{7933D73B-6254-4D11-B002-B270CBF0678F}"/>
-              </a:ext>
-            </a:extLst>
-          </p:cNvPr>
+          <p:cNvPr id="67" name="Textfeld 66"/>
           <p:cNvSpPr txBox="1"/>
           <p:nvPr/>
         </p:nvSpPr>
-        <p:spPr>
+        <p:spPr bwMode="auto">
           <a:xfrm>
-            <a:off x="2920145" y="2975361"/>
+            <a:off x="1574738" y="2975360"/>
             <a:ext cx="832279" cy="307777"/>
           </a:xfrm>
           <a:prstGeom prst="rect">
@@ -4046,29 +3776,26 @@
           </a:bodyPr>
           <a:lstStyle/>
           <a:p>
-            <a:r>
-              <a:rPr lang="de-DE" sz="1400" dirty="0"/>
+            <a:pPr>
+              <a:defRPr/>
+            </a:pPr>
+            <a:r>
+              <a:rPr lang="de-DE" sz="1400"/>
               <a:t>Läuft auf</a:t>
             </a:r>
-            <a:endParaRPr lang="en-DE" sz="1400" dirty="0"/>
-          </a:p>
-        </p:txBody>
-      </p:sp>
-      <p:sp>
-        <p:nvSpPr>
-          <p:cNvPr id="72" name="Rechteck 71">
-            <a:extLst>
-              <a:ext uri="{FF2B5EF4-FFF2-40B4-BE49-F238E27FC236}">
-                <a16:creationId xmlns:a16="http://schemas.microsoft.com/office/drawing/2014/main" id="{166B790D-4FE6-4674-B829-B76D3609E9F2}"/>
-              </a:ext>
-            </a:extLst>
-          </p:cNvPr>
+            <a:endParaRPr sz="1400"/>
+          </a:p>
+        </p:txBody>
+      </p:sp>
+      <p:sp>
+        <p:nvSpPr>
+          <p:cNvPr id="72" name="Rechteck 71"/>
           <p:cNvSpPr/>
           <p:nvPr/>
         </p:nvSpPr>
-        <p:spPr>
+        <p:spPr bwMode="auto">
           <a:xfrm>
-            <a:off x="1774701" y="1105391"/>
+            <a:off x="524544" y="1105390"/>
             <a:ext cx="703479" cy="429986"/>
           </a:xfrm>
           <a:prstGeom prst="rect">
@@ -4095,24 +3822,20 @@
           <a:bodyPr rtlCol="0" anchor="ctr"/>
           <a:lstStyle/>
           <a:p>
-            <a:pPr algn="ctr"/>
-            <a:r>
-              <a:rPr lang="de-DE" dirty="0"/>
+            <a:pPr algn="ctr">
+              <a:defRPr/>
+            </a:pPr>
+            <a:r>
+              <a:rPr lang="de-DE"/>
               <a:t>EEG</a:t>
             </a:r>
-            <a:endParaRPr lang="en-DE" dirty="0"/>
+            <a:endParaRPr/>
           </a:p>
         </p:txBody>
       </p:sp>
       <p:cxnSp>
         <p:nvCxnSpPr>
-          <p:cNvPr id="73" name="Gerade Verbindung mit Pfeil 72">
-            <a:extLst>
-              <a:ext uri="{FF2B5EF4-FFF2-40B4-BE49-F238E27FC236}">
-                <a16:creationId xmlns:a16="http://schemas.microsoft.com/office/drawing/2014/main" id="{67543AB4-F7E1-4A30-9B08-7B809BAE33C3}"/>
-              </a:ext>
-            </a:extLst>
-          </p:cNvPr>
+          <p:cNvPr id="73" name="Gerade Verbindung mit Pfeil 72"/>
           <p:cNvCxnSpPr>
             <a:cxnSpLocks/>
             <a:stCxn id="72" idx="2"/>
@@ -4120,10 +3843,10 @@
           </p:cNvCxnSpPr>
           <p:nvPr/>
         </p:nvCxnSpPr>
-        <p:spPr>
-          <a:xfrm>
-            <a:off x="2126441" y="1535377"/>
-            <a:ext cx="0" cy="1532769"/>
+        <p:spPr bwMode="auto">
+          <a:xfrm rot="5399978" flipH="0" flipV="1">
+            <a:off x="109899" y="2301761"/>
+            <a:ext cx="1532768" cy="0"/>
           </a:xfrm>
           <a:prstGeom prst="straightConnector1">
             <a:avLst/>
@@ -4149,19 +3872,13 @@
       </p:cxnSp>
       <p:sp>
         <p:nvSpPr>
-          <p:cNvPr id="74" name="Textfeld 73">
-            <a:extLst>
-              <a:ext uri="{FF2B5EF4-FFF2-40B4-BE49-F238E27FC236}">
-                <a16:creationId xmlns:a16="http://schemas.microsoft.com/office/drawing/2014/main" id="{7D6590D3-6673-44CA-9ABF-7913A63CEA7F}"/>
-              </a:ext>
-            </a:extLst>
-          </p:cNvPr>
+          <p:cNvPr id="74" name="Textfeld 73"/>
           <p:cNvSpPr txBox="1"/>
           <p:nvPr/>
         </p:nvSpPr>
-        <p:spPr>
+        <p:spPr bwMode="auto">
           <a:xfrm>
-            <a:off x="2126440" y="2055088"/>
+            <a:off x="876283" y="2055087"/>
             <a:ext cx="1353191" cy="307777"/>
           </a:xfrm>
           <a:prstGeom prst="rect">
@@ -4175,29 +3892,227 @@
           </a:bodyPr>
           <a:lstStyle/>
           <a:p>
-            <a:r>
-              <a:rPr lang="de-DE" sz="1400" dirty="0"/>
+            <a:pPr>
+              <a:defRPr/>
+            </a:pPr>
+            <a:r>
+              <a:rPr lang="de-DE" sz="1400"/>
               <a:t>Liefert Daten an</a:t>
             </a:r>
-            <a:endParaRPr lang="en-DE" sz="1400" dirty="0"/>
+            <a:endParaRPr sz="1400"/>
+          </a:p>
+        </p:txBody>
+      </p:sp>
+      <p:sp>
+        <p:nvSpPr>
+          <p:cNvPr id="1590420840" name="Rechteck 15"/>
+          <p:cNvSpPr/>
+          <p:nvPr/>
+        </p:nvSpPr>
+        <p:spPr bwMode="auto">
+          <a:xfrm>
+            <a:off x="2518018" y="3068145"/>
+            <a:ext cx="1506583" cy="429985"/>
+          </a:xfrm>
+          <a:prstGeom prst="rect">
+            <a:avLst/>
+          </a:prstGeom>
+        </p:spPr>
+        <p:style>
+          <a:lnRef idx="2">
+            <a:schemeClr val="accent1">
+              <a:shade val="50000"/>
+            </a:schemeClr>
+          </a:lnRef>
+          <a:fillRef idx="1">
+            <a:schemeClr val="accent1"/>
+          </a:fillRef>
+          <a:effectRef idx="0">
+            <a:schemeClr val="accent1"/>
+          </a:effectRef>
+          <a:fontRef idx="minor">
+            <a:schemeClr val="lt1"/>
+          </a:fontRef>
+        </p:style>
+        <p:txBody>
+          <a:bodyPr rtlCol="0" anchor="ctr"/>
+          <a:lstStyle/>
+          <a:p>
+            <a:pPr algn="ctr">
+              <a:defRPr/>
+            </a:pPr>
+            <a:r>
+              <a:rPr lang="de-DE"/>
+              <a:t>Laptop</a:t>
+            </a:r>
+            <a:endParaRPr/>
+          </a:p>
+        </p:txBody>
+      </p:sp>
+      <p:cxnSp>
+        <p:nvCxnSpPr>
+          <p:cNvPr id="2082972815" name="Gerade Verbindung mit Pfeil 61"/>
+          <p:cNvCxnSpPr>
+            <a:cxnSpLocks/>
+            <a:stCxn id="1590420840" idx="3"/>
+            <a:endCxn id="16" idx="1"/>
+          </p:cNvCxnSpPr>
+          <p:nvPr/>
+        </p:nvCxnSpPr>
+        <p:spPr bwMode="auto">
+          <a:xfrm rot="0" flipH="0" flipV="0">
+            <a:off x="4024602" y="3283138"/>
+            <a:ext cx="1255174" cy="0"/>
+          </a:xfrm>
+          <a:prstGeom prst="straightConnector1">
+            <a:avLst/>
+          </a:prstGeom>
+          <a:ln w="38100" cap="flat" cmpd="sng" algn="ctr">
+            <a:solidFill>
+              <a:srgbClr val="000000"/>
+            </a:solidFill>
+            <a:prstDash val="sysDot"/>
+            <a:tailEnd type="none"/>
+          </a:ln>
+        </p:spPr>
+        <p:style>
+          <a:lnRef idx="3">
+            <a:schemeClr val="dk1"/>
+          </a:lnRef>
+          <a:fillRef idx="0">
+            <a:schemeClr val="dk1"/>
+          </a:fillRef>
+          <a:effectRef idx="2">
+            <a:schemeClr val="dk1"/>
+          </a:effectRef>
+          <a:fontRef idx="minor">
+            <a:schemeClr val="tx1"/>
+          </a:fontRef>
+        </p:style>
+      </p:cxnSp>
+      <p:cxnSp>
+        <p:nvCxnSpPr>
+          <p:cNvPr id="615411412" name="Verbinder: gewinkelt 45"/>
+          <p:cNvCxnSpPr>
+            <a:cxnSpLocks/>
+            <a:stCxn id="1590420840" idx="0"/>
+            <a:endCxn id="4" idx="0"/>
+          </p:cNvCxnSpPr>
+          <p:nvPr/>
+        </p:nvCxnSpPr>
+        <p:spPr bwMode="auto">
+          <a:xfrm rot="16199969" flipH="0" flipV="0">
+            <a:off x="5834656" y="232584"/>
+            <a:ext cx="272214" cy="5398907"/>
+          </a:xfrm>
+          <a:prstGeom prst="bentConnector3">
+            <a:avLst>
+              <a:gd name="adj1" fmla="val 322317"/>
+            </a:avLst>
+          </a:prstGeom>
+          <a:ln w="38100">
+            <a:tailEnd type="triangle"/>
+          </a:ln>
+        </p:spPr>
+        <p:style>
+          <a:lnRef idx="3">
+            <a:schemeClr val="dk1"/>
+          </a:lnRef>
+          <a:fillRef idx="0">
+            <a:schemeClr val="dk1"/>
+          </a:fillRef>
+          <a:effectRef idx="2">
+            <a:schemeClr val="dk1"/>
+          </a:effectRef>
+          <a:fontRef idx="minor">
+            <a:schemeClr val="tx1"/>
+          </a:fontRef>
+        </p:style>
+      </p:cxnSp>
+      <p:sp>
+        <p:nvSpPr>
+          <p:cNvPr id="1580158976" name="Textfeld 19"/>
+          <p:cNvSpPr txBox="1"/>
+          <p:nvPr/>
+        </p:nvSpPr>
+        <p:spPr bwMode="auto">
+          <a:xfrm>
+            <a:off x="5126577" y="1902669"/>
+            <a:ext cx="1812982" cy="304835"/>
+          </a:xfrm>
+          <a:prstGeom prst="rect">
+            <a:avLst/>
+          </a:prstGeom>
+          <a:noFill/>
+        </p:spPr>
+        <p:txBody>
+          <a:bodyPr wrap="none" rtlCol="0">
+            <a:spAutoFit/>
+          </a:bodyPr>
+          <a:lstStyle/>
+          <a:p>
+            <a:pPr>
+              <a:defRPr/>
+            </a:pPr>
+            <a:r>
+              <a:rPr lang="de-DE" sz="1400"/>
+              <a:t>steuert über Netzwerk</a:t>
+            </a:r>
+            <a:endParaRPr sz="1400"/>
+          </a:p>
+        </p:txBody>
+      </p:sp>
+      <p:sp>
+        <p:nvSpPr>
+          <p:cNvPr id="264696648" name="Textfeld 51"/>
+          <p:cNvSpPr txBox="1"/>
+          <p:nvPr/>
+        </p:nvSpPr>
+        <p:spPr bwMode="auto">
+          <a:xfrm>
+            <a:off x="4336378" y="2974420"/>
+            <a:ext cx="633525" cy="304835"/>
+          </a:xfrm>
+          <a:prstGeom prst="rect">
+            <a:avLst/>
+          </a:prstGeom>
+          <a:noFill/>
+        </p:spPr>
+        <p:txBody>
+          <a:bodyPr wrap="none" rtlCol="0">
+            <a:spAutoFit/>
+          </a:bodyPr>
+          <a:lstStyle/>
+          <a:p>
+            <a:pPr>
+              <a:defRPr/>
+            </a:pPr>
+            <a:r>
+              <a:rPr lang="de-DE" sz="1400"/>
+              <a:t>WLAN</a:t>
+            </a:r>
+            <a:endParaRPr sz="1400"/>
           </a:p>
         </p:txBody>
       </p:sp>
     </p:spTree>
-    <p:extLst>
-      <p:ext uri="{BB962C8B-B14F-4D97-AF65-F5344CB8AC3E}">
-        <p14:creationId xmlns:p14="http://schemas.microsoft.com/office/powerpoint/2010/main" val="1605841627"/>
-      </p:ext>
-    </p:extLst>
   </p:cSld>
   <p:clrMapOvr>
     <a:masterClrMapping/>
   </p:clrMapOvr>
+  <mc:AlternateContent xmlns:mc="http://schemas.openxmlformats.org/markup-compatibility/2006">
+    <mc:Choice xmlns:p14="http://schemas.microsoft.com/office/powerpoint/2010/main" Requires="p14">
+      <p:transition p14:dur="2000" advClick="1"/>
+    </mc:Choice>
+    <mc:Fallback>
+      <p:transition advClick="1"/>
+    </mc:Fallback>
+  </mc:AlternateContent>
 </p:sld>
 </file>
 
 <file path=ppt/theme/theme1.xml><?xml version="1.0" encoding="utf-8"?>
-<a:theme xmlns:a="http://schemas.openxmlformats.org/drawingml/2006/main" name="Office">
+<a:theme xmlns:a="http://schemas.openxmlformats.org/drawingml/2006/main" xmlns:r="http://schemas.openxmlformats.org/officeDocument/2006/relationships" xmlns:p="http://schemas.openxmlformats.org/presentationml/2006/main" name="Office">
   <a:themeElements>
     <a:clrScheme name="Office">
       <a:dk1>
@@ -4239,108 +4154,14 @@
     </a:clrScheme>
     <a:fontScheme name="Office">
       <a:majorFont>
-        <a:latin typeface="Calibri Light" panose="020F0302020204030204"/>
-        <a:ea typeface=""/>
-        <a:cs typeface=""/>
-        <a:font script="Jpan" typeface="游ゴシック Light"/>
-        <a:font script="Hang" typeface="맑은 고딕"/>
-        <a:font script="Hans" typeface="等线 Light"/>
-        <a:font script="Hant" typeface="新細明體"/>
-        <a:font script="Arab" typeface="Times New Roman"/>
-        <a:font script="Hebr" typeface="Times New Roman"/>
-        <a:font script="Thai" typeface="Angsana New"/>
-        <a:font script="Ethi" typeface="Nyala"/>
-        <a:font script="Beng" typeface="Vrinda"/>
-        <a:font script="Gujr" typeface="Shruti"/>
-        <a:font script="Khmr" typeface="MoolBoran"/>
-        <a:font script="Knda" typeface="Tunga"/>
-        <a:font script="Guru" typeface="Raavi"/>
-        <a:font script="Cans" typeface="Euphemia"/>
-        <a:font script="Cher" typeface="Plantagenet Cherokee"/>
-        <a:font script="Yiii" typeface="Microsoft Yi Baiti"/>
-        <a:font script="Tibt" typeface="Microsoft Himalaya"/>
-        <a:font script="Thaa" typeface="MV Boli"/>
-        <a:font script="Deva" typeface="Mangal"/>
-        <a:font script="Telu" typeface="Gautami"/>
-        <a:font script="Taml" typeface="Latha"/>
-        <a:font script="Syrc" typeface="Estrangelo Edessa"/>
-        <a:font script="Orya" typeface="Kalinga"/>
-        <a:font script="Mlym" typeface="Kartika"/>
-        <a:font script="Laoo" typeface="DokChampa"/>
-        <a:font script="Sinh" typeface="Iskoola Pota"/>
-        <a:font script="Mong" typeface="Mongolian Baiti"/>
-        <a:font script="Viet" typeface="Times New Roman"/>
-        <a:font script="Uigh" typeface="Microsoft Uighur"/>
-        <a:font script="Geor" typeface="Sylfaen"/>
-        <a:font script="Armn" typeface="Arial"/>
-        <a:font script="Bugi" typeface="Leelawadee UI"/>
-        <a:font script="Bopo" typeface="Microsoft JhengHei"/>
-        <a:font script="Java" typeface="Javanese Text"/>
-        <a:font script="Lisu" typeface="Segoe UI"/>
-        <a:font script="Mymr" typeface="Myanmar Text"/>
-        <a:font script="Nkoo" typeface="Ebrima"/>
-        <a:font script="Olck" typeface="Nirmala UI"/>
-        <a:font script="Osma" typeface="Ebrima"/>
-        <a:font script="Phag" typeface="Phagspa"/>
-        <a:font script="Syrn" typeface="Estrangelo Edessa"/>
-        <a:font script="Syrj" typeface="Estrangelo Edessa"/>
-        <a:font script="Syre" typeface="Estrangelo Edessa"/>
-        <a:font script="Sora" typeface="Nirmala UI"/>
-        <a:font script="Tale" typeface="Microsoft Tai Le"/>
-        <a:font script="Talu" typeface="Microsoft New Tai Lue"/>
-        <a:font script="Tfng" typeface="Ebrima"/>
+        <a:latin typeface="Calibri Light"/>
+        <a:ea typeface="Arial"/>
+        <a:cs typeface="Arial"/>
       </a:majorFont>
       <a:minorFont>
-        <a:latin typeface="Calibri" panose="020F0502020204030204"/>
-        <a:ea typeface=""/>
-        <a:cs typeface=""/>
-        <a:font script="Jpan" typeface="游ゴシック"/>
-        <a:font script="Hang" typeface="맑은 고딕"/>
-        <a:font script="Hans" typeface="等线"/>
-        <a:font script="Hant" typeface="新細明體"/>
-        <a:font script="Arab" typeface="Arial"/>
-        <a:font script="Hebr" typeface="Arial"/>
-        <a:font script="Thai" typeface="Cordia New"/>
-        <a:font script="Ethi" typeface="Nyala"/>
-        <a:font script="Beng" typeface="Vrinda"/>
-        <a:font script="Gujr" typeface="Shruti"/>
-        <a:font script="Khmr" typeface="DaunPenh"/>
-        <a:font script="Knda" typeface="Tunga"/>
-        <a:font script="Guru" typeface="Raavi"/>
-        <a:font script="Cans" typeface="Euphemia"/>
-        <a:font script="Cher" typeface="Plantagenet Cherokee"/>
-        <a:font script="Yiii" typeface="Microsoft Yi Baiti"/>
-        <a:font script="Tibt" typeface="Microsoft Himalaya"/>
-        <a:font script="Thaa" typeface="MV Boli"/>
-        <a:font script="Deva" typeface="Mangal"/>
-        <a:font script="Telu" typeface="Gautami"/>
-        <a:font script="Taml" typeface="Latha"/>
-        <a:font script="Syrc" typeface="Estrangelo Edessa"/>
-        <a:font script="Orya" typeface="Kalinga"/>
-        <a:font script="Mlym" typeface="Kartika"/>
-        <a:font script="Laoo" typeface="DokChampa"/>
-        <a:font script="Sinh" typeface="Iskoola Pota"/>
-        <a:font script="Mong" typeface="Mongolian Baiti"/>
-        <a:font script="Viet" typeface="Arial"/>
-        <a:font script="Uigh" typeface="Microsoft Uighur"/>
-        <a:font script="Geor" typeface="Sylfaen"/>
-        <a:font script="Armn" typeface="Arial"/>
-        <a:font script="Bugi" typeface="Leelawadee UI"/>
-        <a:font script="Bopo" typeface="Microsoft JhengHei"/>
-        <a:font script="Java" typeface="Javanese Text"/>
-        <a:font script="Lisu" typeface="Segoe UI"/>
-        <a:font script="Mymr" typeface="Myanmar Text"/>
-        <a:font script="Nkoo" typeface="Ebrima"/>
-        <a:font script="Olck" typeface="Nirmala UI"/>
-        <a:font script="Osma" typeface="Ebrima"/>
-        <a:font script="Phag" typeface="Phagspa"/>
-        <a:font script="Syrn" typeface="Estrangelo Edessa"/>
-        <a:font script="Syrj" typeface="Estrangelo Edessa"/>
-        <a:font script="Syre" typeface="Estrangelo Edessa"/>
-        <a:font script="Sora" typeface="Nirmala UI"/>
-        <a:font script="Tale" typeface="Microsoft Tai Le"/>
-        <a:font script="Talu" typeface="Microsoft New Tai Lue"/>
-        <a:font script="Tfng" typeface="Ebrima"/>
+        <a:latin typeface="Calibri"/>
+        <a:ea typeface="Arial"/>
+        <a:cs typeface="Arial"/>
       </a:minorFont>
     </a:fontScheme>
     <a:fmtScheme name="Office">
@@ -4348,7 +4169,7 @@
         <a:solidFill>
           <a:schemeClr val="phClr"/>
         </a:solidFill>
-        <a:gradFill rotWithShape="1">
+        <a:gradFill>
           <a:gsLst>
             <a:gs pos="0">
               <a:schemeClr val="phClr">
@@ -4374,7 +4195,7 @@
           </a:gsLst>
           <a:lin ang="5400000" scaled="0"/>
         </a:gradFill>
-        <a:gradFill rotWithShape="1">
+        <a:gradFill>
           <a:gsLst>
             <a:gs pos="0">
               <a:schemeClr val="phClr">
@@ -4426,16 +4247,28 @@
       </a:lnStyleLst>
       <a:effectStyleLst>
         <a:effectStyle>
-          <a:effectLst/>
-        </a:effectStyle>
-        <a:effectStyle>
-          <a:effectLst/>
+          <a:effectLst>
+            <a:outerShdw blurRad="40000" dist="20000" dir="5400000" rotWithShape="0">
+              <a:srgbClr val="000000">
+                <a:alpha val="38000"/>
+              </a:srgbClr>
+            </a:outerShdw>
+          </a:effectLst>
         </a:effectStyle>
         <a:effectStyle>
           <a:effectLst>
-            <a:outerShdw blurRad="57150" dist="19050" dir="5400000" algn="ctr" rotWithShape="0">
+            <a:outerShdw blurRad="40000" dist="23000" dir="5400000" rotWithShape="0">
               <a:srgbClr val="000000">
-                <a:alpha val="63000"/>
+                <a:alpha val="35000"/>
+              </a:srgbClr>
+            </a:outerShdw>
+          </a:effectLst>
+        </a:effectStyle>
+        <a:effectStyle>
+          <a:effectLst>
+            <a:outerShdw blurRad="40000" dist="23000" dir="5400000" rotWithShape="0">
+              <a:srgbClr val="000000">
+                <a:alpha val="35000"/>
               </a:srgbClr>
             </a:outerShdw>
           </a:effectLst>
@@ -4451,7 +4284,7 @@
             <a:satMod val="170000"/>
           </a:schemeClr>
         </a:solidFill>
-        <a:gradFill rotWithShape="1">
+        <a:gradFill>
           <a:gsLst>
             <a:gs pos="0">
               <a:schemeClr val="phClr">
@@ -4482,11 +4315,5 @@
     </a:fmtScheme>
   </a:themeElements>
   <a:objectDefaults/>
-  <a:extraClrSchemeLst/>
-  <a:extLst>
-    <a:ext uri="{05A4C25C-085E-4340-85A3-A5531E510DB2}">
-      <thm15:themeFamily xmlns:thm15="http://schemas.microsoft.com/office/thememl/2012/main" name="Office Theme" id="{62F939B6-93AF-4DB8-9C6B-D6C7DFDC589F}" vid="{4A3C46E8-61CC-4603-A589-7422A47A8E4A}"/>
-    </a:ext>
-  </a:extLst>
 </a:theme>
 </file>